--- a/Mock_up/FWAR_MU.pptx
+++ b/Mock_up/FWAR_MU.pptx
@@ -8,8 +8,9 @@
     <p:sldId id="256" r:id="rId2"/>
     <p:sldId id="257" r:id="rId3"/>
     <p:sldId id="258" r:id="rId4"/>
-    <p:sldId id="259" r:id="rId5"/>
-    <p:sldId id="260" r:id="rId6"/>
+    <p:sldId id="261" r:id="rId5"/>
+    <p:sldId id="259" r:id="rId6"/>
+    <p:sldId id="260" r:id="rId7"/>
   </p:sldIdLst>
   <p:sldSz cx="12192000" cy="6858000"/>
   <p:notesSz cx="6858000" cy="9144000"/>
@@ -279,7 +280,7 @@
           <a:p>
             <a:fld id="{F4095142-48FF-481C-B114-C02FF1747C0D}" type="datetimeFigureOut">
               <a:rPr lang="ko-KR" altLang="en-US" smtClean="0"/>
-              <a:t>2023-04-16-Sunday</a:t>
+              <a:t>2023-04-24-Monday</a:t>
             </a:fld>
             <a:endParaRPr lang="ko-KR" altLang="en-US"/>
           </a:p>
@@ -477,7 +478,7 @@
           <a:p>
             <a:fld id="{F4095142-48FF-481C-B114-C02FF1747C0D}" type="datetimeFigureOut">
               <a:rPr lang="ko-KR" altLang="en-US" smtClean="0"/>
-              <a:t>2023-04-16-Sunday</a:t>
+              <a:t>2023-04-24-Monday</a:t>
             </a:fld>
             <a:endParaRPr lang="ko-KR" altLang="en-US"/>
           </a:p>
@@ -685,7 +686,7 @@
           <a:p>
             <a:fld id="{F4095142-48FF-481C-B114-C02FF1747C0D}" type="datetimeFigureOut">
               <a:rPr lang="ko-KR" altLang="en-US" smtClean="0"/>
-              <a:t>2023-04-16-Sunday</a:t>
+              <a:t>2023-04-24-Monday</a:t>
             </a:fld>
             <a:endParaRPr lang="ko-KR" altLang="en-US"/>
           </a:p>
@@ -883,7 +884,7 @@
           <a:p>
             <a:fld id="{F4095142-48FF-481C-B114-C02FF1747C0D}" type="datetimeFigureOut">
               <a:rPr lang="ko-KR" altLang="en-US" smtClean="0"/>
-              <a:t>2023-04-16-Sunday</a:t>
+              <a:t>2023-04-24-Monday</a:t>
             </a:fld>
             <a:endParaRPr lang="ko-KR" altLang="en-US"/>
           </a:p>
@@ -1158,7 +1159,7 @@
           <a:p>
             <a:fld id="{F4095142-48FF-481C-B114-C02FF1747C0D}" type="datetimeFigureOut">
               <a:rPr lang="ko-KR" altLang="en-US" smtClean="0"/>
-              <a:t>2023-04-16-Sunday</a:t>
+              <a:t>2023-04-24-Monday</a:t>
             </a:fld>
             <a:endParaRPr lang="ko-KR" altLang="en-US"/>
           </a:p>
@@ -1423,7 +1424,7 @@
           <a:p>
             <a:fld id="{F4095142-48FF-481C-B114-C02FF1747C0D}" type="datetimeFigureOut">
               <a:rPr lang="ko-KR" altLang="en-US" smtClean="0"/>
-              <a:t>2023-04-16-Sunday</a:t>
+              <a:t>2023-04-24-Monday</a:t>
             </a:fld>
             <a:endParaRPr lang="ko-KR" altLang="en-US"/>
           </a:p>
@@ -1835,7 +1836,7 @@
           <a:p>
             <a:fld id="{F4095142-48FF-481C-B114-C02FF1747C0D}" type="datetimeFigureOut">
               <a:rPr lang="ko-KR" altLang="en-US" smtClean="0"/>
-              <a:t>2023-04-16-Sunday</a:t>
+              <a:t>2023-04-24-Monday</a:t>
             </a:fld>
             <a:endParaRPr lang="ko-KR" altLang="en-US"/>
           </a:p>
@@ -1976,7 +1977,7 @@
           <a:p>
             <a:fld id="{F4095142-48FF-481C-B114-C02FF1747C0D}" type="datetimeFigureOut">
               <a:rPr lang="ko-KR" altLang="en-US" smtClean="0"/>
-              <a:t>2023-04-16-Sunday</a:t>
+              <a:t>2023-04-24-Monday</a:t>
             </a:fld>
             <a:endParaRPr lang="ko-KR" altLang="en-US"/>
           </a:p>
@@ -2089,7 +2090,7 @@
           <a:p>
             <a:fld id="{F4095142-48FF-481C-B114-C02FF1747C0D}" type="datetimeFigureOut">
               <a:rPr lang="ko-KR" altLang="en-US" smtClean="0"/>
-              <a:t>2023-04-16-Sunday</a:t>
+              <a:t>2023-04-24-Monday</a:t>
             </a:fld>
             <a:endParaRPr lang="ko-KR" altLang="en-US"/>
           </a:p>
@@ -2400,7 +2401,7 @@
           <a:p>
             <a:fld id="{F4095142-48FF-481C-B114-C02FF1747C0D}" type="datetimeFigureOut">
               <a:rPr lang="ko-KR" altLang="en-US" smtClean="0"/>
-              <a:t>2023-04-16-Sunday</a:t>
+              <a:t>2023-04-24-Monday</a:t>
             </a:fld>
             <a:endParaRPr lang="ko-KR" altLang="en-US"/>
           </a:p>
@@ -2688,7 +2689,7 @@
           <a:p>
             <a:fld id="{F4095142-48FF-481C-B114-C02FF1747C0D}" type="datetimeFigureOut">
               <a:rPr lang="ko-KR" altLang="en-US" smtClean="0"/>
-              <a:t>2023-04-16-Sunday</a:t>
+              <a:t>2023-04-24-Monday</a:t>
             </a:fld>
             <a:endParaRPr lang="ko-KR" altLang="en-US"/>
           </a:p>
@@ -2929,7 +2930,7 @@
           <a:p>
             <a:fld id="{F4095142-48FF-481C-B114-C02FF1747C0D}" type="datetimeFigureOut">
               <a:rPr lang="ko-KR" altLang="en-US" smtClean="0"/>
-              <a:t>2023-04-16-Sunday</a:t>
+              <a:t>2023-04-24-Monday</a:t>
             </a:fld>
             <a:endParaRPr lang="ko-KR" altLang="en-US"/>
           </a:p>
@@ -9031,10 +9032,7 @@
             <a:r>
               <a:rPr lang="ko-KR" altLang="en-US" dirty="0">
                 <a:solidFill>
-                  <a:schemeClr val="accent1">
-                    <a:lumMod val="40000"/>
-                    <a:lumOff val="60000"/>
-                  </a:schemeClr>
+                  <a:schemeClr val="tx1"/>
                 </a:solidFill>
               </a:rPr>
               <a:t>오늘</a:t>
@@ -9738,6 +9736,2418 @@
           </a:p>
         </p:txBody>
       </p:sp>
+      <p:graphicFrame>
+        <p:nvGraphicFramePr>
+          <p:cNvPr id="25" name="표 25">
+            <a:extLst>
+              <a:ext uri="{FF2B5EF4-FFF2-40B4-BE49-F238E27FC236}">
+                <a16:creationId xmlns:a16="http://schemas.microsoft.com/office/drawing/2014/main" id="{D0E3F76D-06D5-5F12-CD30-BF5609316219}"/>
+              </a:ext>
+            </a:extLst>
+          </p:cNvPr>
+          <p:cNvGraphicFramePr>
+            <a:graphicFrameLocks noGrp="1"/>
+          </p:cNvGraphicFramePr>
+          <p:nvPr/>
+        </p:nvGraphicFramePr>
+        <p:xfrm>
+          <a:off x="3256670" y="2694699"/>
+          <a:ext cx="6552420" cy="2604951"/>
+        </p:xfrm>
+        <a:graphic>
+          <a:graphicData uri="http://schemas.openxmlformats.org/drawingml/2006/table">
+            <a:tbl>
+              <a:tblPr firstRow="1" bandRow="1">
+                <a:tableStyleId>{5C22544A-7EE6-4342-B048-85BDC9FD1C3A}</a:tableStyleId>
+              </a:tblPr>
+              <a:tblGrid>
+                <a:gridCol w="1310484">
+                  <a:extLst>
+                    <a:ext uri="{9D8B030D-6E8A-4147-A177-3AD203B41FA5}">
+                      <a16:colId xmlns:a16="http://schemas.microsoft.com/office/drawing/2014/main" val="2080295440"/>
+                    </a:ext>
+                  </a:extLst>
+                </a:gridCol>
+                <a:gridCol w="1310484">
+                  <a:extLst>
+                    <a:ext uri="{9D8B030D-6E8A-4147-A177-3AD203B41FA5}">
+                      <a16:colId xmlns:a16="http://schemas.microsoft.com/office/drawing/2014/main" val="2743039678"/>
+                    </a:ext>
+                  </a:extLst>
+                </a:gridCol>
+                <a:gridCol w="1310484">
+                  <a:extLst>
+                    <a:ext uri="{9D8B030D-6E8A-4147-A177-3AD203B41FA5}">
+                      <a16:colId xmlns:a16="http://schemas.microsoft.com/office/drawing/2014/main" val="186545863"/>
+                    </a:ext>
+                  </a:extLst>
+                </a:gridCol>
+                <a:gridCol w="1310484">
+                  <a:extLst>
+                    <a:ext uri="{9D8B030D-6E8A-4147-A177-3AD203B41FA5}">
+                      <a16:colId xmlns:a16="http://schemas.microsoft.com/office/drawing/2014/main" val="3551191432"/>
+                    </a:ext>
+                  </a:extLst>
+                </a:gridCol>
+                <a:gridCol w="1310484">
+                  <a:extLst>
+                    <a:ext uri="{9D8B030D-6E8A-4147-A177-3AD203B41FA5}">
+                      <a16:colId xmlns:a16="http://schemas.microsoft.com/office/drawing/2014/main" val="935346500"/>
+                    </a:ext>
+                  </a:extLst>
+                </a:gridCol>
+              </a:tblGrid>
+              <a:tr h="868317">
+                <a:tc>
+                  <a:txBody>
+                    <a:bodyPr/>
+                    <a:lstStyle/>
+                    <a:p>
+                      <a:pPr algn="ctr" latinLnBrk="1"/>
+                      <a:endParaRPr lang="ko-KR" altLang="en-US" dirty="0">
+                        <a:solidFill>
+                          <a:schemeClr val="tx1"/>
+                        </a:solidFill>
+                      </a:endParaRPr>
+                    </a:p>
+                  </a:txBody>
+                  <a:tcPr anchor="ctr">
+                    <a:lnL w="12700" cap="flat" cmpd="sng" algn="ctr">
+                      <a:solidFill>
+                        <a:schemeClr val="tx1"/>
+                      </a:solidFill>
+                      <a:prstDash val="solid"/>
+                      <a:round/>
+                      <a:headEnd type="none" w="med" len="med"/>
+                      <a:tailEnd type="none" w="med" len="med"/>
+                    </a:lnL>
+                    <a:lnR w="12700" cap="flat" cmpd="sng" algn="ctr">
+                      <a:solidFill>
+                        <a:schemeClr val="tx1"/>
+                      </a:solidFill>
+                      <a:prstDash val="solid"/>
+                      <a:round/>
+                      <a:headEnd type="none" w="med" len="med"/>
+                      <a:tailEnd type="none" w="med" len="med"/>
+                    </a:lnR>
+                    <a:lnT w="12700" cap="flat" cmpd="sng" algn="ctr">
+                      <a:solidFill>
+                        <a:schemeClr val="tx1"/>
+                      </a:solidFill>
+                      <a:prstDash val="solid"/>
+                      <a:round/>
+                      <a:headEnd type="none" w="med" len="med"/>
+                      <a:tailEnd type="none" w="med" len="med"/>
+                    </a:lnT>
+                    <a:lnB w="12700" cap="flat" cmpd="sng" algn="ctr">
+                      <a:solidFill>
+                        <a:schemeClr val="tx1"/>
+                      </a:solidFill>
+                      <a:prstDash val="solid"/>
+                      <a:round/>
+                      <a:headEnd type="none" w="med" len="med"/>
+                      <a:tailEnd type="none" w="med" len="med"/>
+                    </a:lnB>
+                    <a:noFill/>
+                  </a:tcPr>
+                </a:tc>
+                <a:tc>
+                  <a:txBody>
+                    <a:bodyPr/>
+                    <a:lstStyle/>
+                    <a:p>
+                      <a:pPr algn="ctr" latinLnBrk="1"/>
+                      <a:r>
+                        <a:rPr lang="ko-KR" altLang="en-US" dirty="0" err="1">
+                          <a:solidFill>
+                            <a:schemeClr val="tx1"/>
+                          </a:solidFill>
+                        </a:rPr>
+                        <a:t>년주</a:t>
+                      </a:r>
+                      <a:endParaRPr lang="ko-KR" altLang="en-US" dirty="0">
+                        <a:solidFill>
+                          <a:schemeClr val="tx1"/>
+                        </a:solidFill>
+                      </a:endParaRPr>
+                    </a:p>
+                  </a:txBody>
+                  <a:tcPr anchor="ctr">
+                    <a:lnL w="12700" cap="flat" cmpd="sng" algn="ctr">
+                      <a:solidFill>
+                        <a:schemeClr val="tx1"/>
+                      </a:solidFill>
+                      <a:prstDash val="solid"/>
+                      <a:round/>
+                      <a:headEnd type="none" w="med" len="med"/>
+                      <a:tailEnd type="none" w="med" len="med"/>
+                    </a:lnL>
+                    <a:lnR w="12700" cap="flat" cmpd="sng" algn="ctr">
+                      <a:solidFill>
+                        <a:schemeClr val="tx1"/>
+                      </a:solidFill>
+                      <a:prstDash val="solid"/>
+                      <a:round/>
+                      <a:headEnd type="none" w="med" len="med"/>
+                      <a:tailEnd type="none" w="med" len="med"/>
+                    </a:lnR>
+                    <a:lnT w="12700" cap="flat" cmpd="sng" algn="ctr">
+                      <a:solidFill>
+                        <a:schemeClr val="tx1"/>
+                      </a:solidFill>
+                      <a:prstDash val="solid"/>
+                      <a:round/>
+                      <a:headEnd type="none" w="med" len="med"/>
+                      <a:tailEnd type="none" w="med" len="med"/>
+                    </a:lnT>
+                    <a:lnB w="12700" cap="flat" cmpd="sng" algn="ctr">
+                      <a:solidFill>
+                        <a:schemeClr val="tx1"/>
+                      </a:solidFill>
+                      <a:prstDash val="solid"/>
+                      <a:round/>
+                      <a:headEnd type="none" w="med" len="med"/>
+                      <a:tailEnd type="none" w="med" len="med"/>
+                    </a:lnB>
+                    <a:noFill/>
+                  </a:tcPr>
+                </a:tc>
+                <a:tc>
+                  <a:txBody>
+                    <a:bodyPr/>
+                    <a:lstStyle/>
+                    <a:p>
+                      <a:pPr algn="ctr" latinLnBrk="1"/>
+                      <a:r>
+                        <a:rPr lang="ko-KR" altLang="en-US" dirty="0" err="1">
+                          <a:solidFill>
+                            <a:schemeClr val="tx1"/>
+                          </a:solidFill>
+                        </a:rPr>
+                        <a:t>월주</a:t>
+                      </a:r>
+                      <a:endParaRPr lang="ko-KR" altLang="en-US" dirty="0">
+                        <a:solidFill>
+                          <a:schemeClr val="tx1"/>
+                        </a:solidFill>
+                      </a:endParaRPr>
+                    </a:p>
+                  </a:txBody>
+                  <a:tcPr anchor="ctr">
+                    <a:lnL w="12700" cap="flat" cmpd="sng" algn="ctr">
+                      <a:solidFill>
+                        <a:schemeClr val="tx1"/>
+                      </a:solidFill>
+                      <a:prstDash val="solid"/>
+                      <a:round/>
+                      <a:headEnd type="none" w="med" len="med"/>
+                      <a:tailEnd type="none" w="med" len="med"/>
+                    </a:lnL>
+                    <a:lnR w="12700" cap="flat" cmpd="sng" algn="ctr">
+                      <a:solidFill>
+                        <a:schemeClr val="tx1"/>
+                      </a:solidFill>
+                      <a:prstDash val="solid"/>
+                      <a:round/>
+                      <a:headEnd type="none" w="med" len="med"/>
+                      <a:tailEnd type="none" w="med" len="med"/>
+                    </a:lnR>
+                    <a:lnT w="12700" cap="flat" cmpd="sng" algn="ctr">
+                      <a:solidFill>
+                        <a:schemeClr val="tx1"/>
+                      </a:solidFill>
+                      <a:prstDash val="solid"/>
+                      <a:round/>
+                      <a:headEnd type="none" w="med" len="med"/>
+                      <a:tailEnd type="none" w="med" len="med"/>
+                    </a:lnT>
+                    <a:lnB w="12700" cap="flat" cmpd="sng" algn="ctr">
+                      <a:solidFill>
+                        <a:schemeClr val="tx1"/>
+                      </a:solidFill>
+                      <a:prstDash val="solid"/>
+                      <a:round/>
+                      <a:headEnd type="none" w="med" len="med"/>
+                      <a:tailEnd type="none" w="med" len="med"/>
+                    </a:lnB>
+                    <a:noFill/>
+                  </a:tcPr>
+                </a:tc>
+                <a:tc>
+                  <a:txBody>
+                    <a:bodyPr/>
+                    <a:lstStyle/>
+                    <a:p>
+                      <a:pPr algn="ctr" latinLnBrk="1"/>
+                      <a:r>
+                        <a:rPr lang="ko-KR" altLang="en-US" dirty="0">
+                          <a:solidFill>
+                            <a:schemeClr val="tx1"/>
+                          </a:solidFill>
+                        </a:rPr>
+                        <a:t>일주</a:t>
+                      </a:r>
+                    </a:p>
+                  </a:txBody>
+                  <a:tcPr anchor="ctr">
+                    <a:lnL w="12700" cap="flat" cmpd="sng" algn="ctr">
+                      <a:solidFill>
+                        <a:schemeClr val="tx1"/>
+                      </a:solidFill>
+                      <a:prstDash val="solid"/>
+                      <a:round/>
+                      <a:headEnd type="none" w="med" len="med"/>
+                      <a:tailEnd type="none" w="med" len="med"/>
+                    </a:lnL>
+                    <a:lnR w="12700" cap="flat" cmpd="sng" algn="ctr">
+                      <a:solidFill>
+                        <a:schemeClr val="tx1"/>
+                      </a:solidFill>
+                      <a:prstDash val="solid"/>
+                      <a:round/>
+                      <a:headEnd type="none" w="med" len="med"/>
+                      <a:tailEnd type="none" w="med" len="med"/>
+                    </a:lnR>
+                    <a:lnT w="12700" cap="flat" cmpd="sng" algn="ctr">
+                      <a:solidFill>
+                        <a:schemeClr val="tx1"/>
+                      </a:solidFill>
+                      <a:prstDash val="solid"/>
+                      <a:round/>
+                      <a:headEnd type="none" w="med" len="med"/>
+                      <a:tailEnd type="none" w="med" len="med"/>
+                    </a:lnT>
+                    <a:lnB w="12700" cap="flat" cmpd="sng" algn="ctr">
+                      <a:solidFill>
+                        <a:schemeClr val="tx1"/>
+                      </a:solidFill>
+                      <a:prstDash val="solid"/>
+                      <a:round/>
+                      <a:headEnd type="none" w="med" len="med"/>
+                      <a:tailEnd type="none" w="med" len="med"/>
+                    </a:lnB>
+                    <a:noFill/>
+                  </a:tcPr>
+                </a:tc>
+                <a:tc>
+                  <a:txBody>
+                    <a:bodyPr/>
+                    <a:lstStyle/>
+                    <a:p>
+                      <a:pPr algn="ctr" latinLnBrk="1"/>
+                      <a:r>
+                        <a:rPr lang="ko-KR" altLang="en-US" dirty="0">
+                          <a:solidFill>
+                            <a:schemeClr val="tx1"/>
+                          </a:solidFill>
+                        </a:rPr>
+                        <a:t>시주</a:t>
+                      </a:r>
+                    </a:p>
+                  </a:txBody>
+                  <a:tcPr anchor="ctr">
+                    <a:lnL w="12700" cap="flat" cmpd="sng" algn="ctr">
+                      <a:solidFill>
+                        <a:schemeClr val="tx1"/>
+                      </a:solidFill>
+                      <a:prstDash val="solid"/>
+                      <a:round/>
+                      <a:headEnd type="none" w="med" len="med"/>
+                      <a:tailEnd type="none" w="med" len="med"/>
+                    </a:lnL>
+                    <a:lnR w="12700" cap="flat" cmpd="sng" algn="ctr">
+                      <a:solidFill>
+                        <a:schemeClr val="tx1"/>
+                      </a:solidFill>
+                      <a:prstDash val="solid"/>
+                      <a:round/>
+                      <a:headEnd type="none" w="med" len="med"/>
+                      <a:tailEnd type="none" w="med" len="med"/>
+                    </a:lnR>
+                    <a:lnT w="12700" cap="flat" cmpd="sng" algn="ctr">
+                      <a:solidFill>
+                        <a:schemeClr val="tx1"/>
+                      </a:solidFill>
+                      <a:prstDash val="solid"/>
+                      <a:round/>
+                      <a:headEnd type="none" w="med" len="med"/>
+                      <a:tailEnd type="none" w="med" len="med"/>
+                    </a:lnT>
+                    <a:lnB w="12700" cap="flat" cmpd="sng" algn="ctr">
+                      <a:solidFill>
+                        <a:schemeClr val="tx1"/>
+                      </a:solidFill>
+                      <a:prstDash val="solid"/>
+                      <a:round/>
+                      <a:headEnd type="none" w="med" len="med"/>
+                      <a:tailEnd type="none" w="med" len="med"/>
+                    </a:lnB>
+                    <a:noFill/>
+                  </a:tcPr>
+                </a:tc>
+                <a:extLst>
+                  <a:ext uri="{0D108BD9-81ED-4DB2-BD59-A6C34878D82A}">
+                    <a16:rowId xmlns:a16="http://schemas.microsoft.com/office/drawing/2014/main" val="2914647751"/>
+                  </a:ext>
+                </a:extLst>
+              </a:tr>
+              <a:tr h="868317">
+                <a:tc>
+                  <a:txBody>
+                    <a:bodyPr/>
+                    <a:lstStyle/>
+                    <a:p>
+                      <a:pPr algn="ctr" latinLnBrk="1"/>
+                      <a:r>
+                        <a:rPr lang="ko-KR" altLang="en-US" dirty="0">
+                          <a:solidFill>
+                            <a:schemeClr val="tx1"/>
+                          </a:solidFill>
+                        </a:rPr>
+                        <a:t>천간</a:t>
+                      </a:r>
+                    </a:p>
+                  </a:txBody>
+                  <a:tcPr anchor="ctr">
+                    <a:lnL w="12700" cap="flat" cmpd="sng" algn="ctr">
+                      <a:solidFill>
+                        <a:schemeClr val="tx1"/>
+                      </a:solidFill>
+                      <a:prstDash val="solid"/>
+                      <a:round/>
+                      <a:headEnd type="none" w="med" len="med"/>
+                      <a:tailEnd type="none" w="med" len="med"/>
+                    </a:lnL>
+                    <a:lnR w="12700" cap="flat" cmpd="sng" algn="ctr">
+                      <a:solidFill>
+                        <a:schemeClr val="tx1"/>
+                      </a:solidFill>
+                      <a:prstDash val="solid"/>
+                      <a:round/>
+                      <a:headEnd type="none" w="med" len="med"/>
+                      <a:tailEnd type="none" w="med" len="med"/>
+                    </a:lnR>
+                    <a:lnT w="12700" cap="flat" cmpd="sng" algn="ctr">
+                      <a:solidFill>
+                        <a:schemeClr val="tx1"/>
+                      </a:solidFill>
+                      <a:prstDash val="solid"/>
+                      <a:round/>
+                      <a:headEnd type="none" w="med" len="med"/>
+                      <a:tailEnd type="none" w="med" len="med"/>
+                    </a:lnT>
+                    <a:lnB w="12700" cap="flat" cmpd="sng" algn="ctr">
+                      <a:solidFill>
+                        <a:schemeClr val="tx1"/>
+                      </a:solidFill>
+                      <a:prstDash val="solid"/>
+                      <a:round/>
+                      <a:headEnd type="none" w="med" len="med"/>
+                      <a:tailEnd type="none" w="med" len="med"/>
+                    </a:lnB>
+                    <a:noFill/>
+                  </a:tcPr>
+                </a:tc>
+                <a:tc>
+                  <a:txBody>
+                    <a:bodyPr/>
+                    <a:lstStyle/>
+                    <a:p>
+                      <a:pPr algn="ctr" latinLnBrk="1"/>
+                      <a:endParaRPr lang="ko-KR" altLang="en-US" dirty="0">
+                        <a:solidFill>
+                          <a:schemeClr val="tx1"/>
+                        </a:solidFill>
+                      </a:endParaRPr>
+                    </a:p>
+                  </a:txBody>
+                  <a:tcPr anchor="ctr">
+                    <a:lnL w="12700" cap="flat" cmpd="sng" algn="ctr">
+                      <a:solidFill>
+                        <a:schemeClr val="tx1"/>
+                      </a:solidFill>
+                      <a:prstDash val="solid"/>
+                      <a:round/>
+                      <a:headEnd type="none" w="med" len="med"/>
+                      <a:tailEnd type="none" w="med" len="med"/>
+                    </a:lnL>
+                    <a:lnR w="12700" cap="flat" cmpd="sng" algn="ctr">
+                      <a:solidFill>
+                        <a:schemeClr val="tx1"/>
+                      </a:solidFill>
+                      <a:prstDash val="solid"/>
+                      <a:round/>
+                      <a:headEnd type="none" w="med" len="med"/>
+                      <a:tailEnd type="none" w="med" len="med"/>
+                    </a:lnR>
+                    <a:lnT w="12700" cap="flat" cmpd="sng" algn="ctr">
+                      <a:solidFill>
+                        <a:schemeClr val="tx1"/>
+                      </a:solidFill>
+                      <a:prstDash val="solid"/>
+                      <a:round/>
+                      <a:headEnd type="none" w="med" len="med"/>
+                      <a:tailEnd type="none" w="med" len="med"/>
+                    </a:lnT>
+                    <a:lnB w="12700" cap="flat" cmpd="sng" algn="ctr">
+                      <a:solidFill>
+                        <a:schemeClr val="tx1"/>
+                      </a:solidFill>
+                      <a:prstDash val="solid"/>
+                      <a:round/>
+                      <a:headEnd type="none" w="med" len="med"/>
+                      <a:tailEnd type="none" w="med" len="med"/>
+                    </a:lnB>
+                    <a:noFill/>
+                  </a:tcPr>
+                </a:tc>
+                <a:tc>
+                  <a:txBody>
+                    <a:bodyPr/>
+                    <a:lstStyle/>
+                    <a:p>
+                      <a:pPr algn="ctr" latinLnBrk="1"/>
+                      <a:endParaRPr lang="ko-KR" altLang="en-US" dirty="0">
+                        <a:solidFill>
+                          <a:schemeClr val="tx1"/>
+                        </a:solidFill>
+                      </a:endParaRPr>
+                    </a:p>
+                  </a:txBody>
+                  <a:tcPr anchor="ctr">
+                    <a:lnL w="12700" cap="flat" cmpd="sng" algn="ctr">
+                      <a:solidFill>
+                        <a:schemeClr val="tx1"/>
+                      </a:solidFill>
+                      <a:prstDash val="solid"/>
+                      <a:round/>
+                      <a:headEnd type="none" w="med" len="med"/>
+                      <a:tailEnd type="none" w="med" len="med"/>
+                    </a:lnL>
+                    <a:lnR w="12700" cap="flat" cmpd="sng" algn="ctr">
+                      <a:solidFill>
+                        <a:schemeClr val="tx1"/>
+                      </a:solidFill>
+                      <a:prstDash val="solid"/>
+                      <a:round/>
+                      <a:headEnd type="none" w="med" len="med"/>
+                      <a:tailEnd type="none" w="med" len="med"/>
+                    </a:lnR>
+                    <a:lnT w="12700" cap="flat" cmpd="sng" algn="ctr">
+                      <a:solidFill>
+                        <a:schemeClr val="tx1"/>
+                      </a:solidFill>
+                      <a:prstDash val="solid"/>
+                      <a:round/>
+                      <a:headEnd type="none" w="med" len="med"/>
+                      <a:tailEnd type="none" w="med" len="med"/>
+                    </a:lnT>
+                    <a:lnB w="12700" cap="flat" cmpd="sng" algn="ctr">
+                      <a:solidFill>
+                        <a:schemeClr val="tx1"/>
+                      </a:solidFill>
+                      <a:prstDash val="solid"/>
+                      <a:round/>
+                      <a:headEnd type="none" w="med" len="med"/>
+                      <a:tailEnd type="none" w="med" len="med"/>
+                    </a:lnB>
+                    <a:noFill/>
+                  </a:tcPr>
+                </a:tc>
+                <a:tc>
+                  <a:txBody>
+                    <a:bodyPr/>
+                    <a:lstStyle/>
+                    <a:p>
+                      <a:pPr algn="ctr" latinLnBrk="1"/>
+                      <a:endParaRPr lang="ko-KR" altLang="en-US" dirty="0">
+                        <a:solidFill>
+                          <a:schemeClr val="tx1"/>
+                        </a:solidFill>
+                      </a:endParaRPr>
+                    </a:p>
+                  </a:txBody>
+                  <a:tcPr anchor="ctr">
+                    <a:lnL w="12700" cap="flat" cmpd="sng" algn="ctr">
+                      <a:solidFill>
+                        <a:schemeClr val="tx1"/>
+                      </a:solidFill>
+                      <a:prstDash val="solid"/>
+                      <a:round/>
+                      <a:headEnd type="none" w="med" len="med"/>
+                      <a:tailEnd type="none" w="med" len="med"/>
+                    </a:lnL>
+                    <a:lnR w="12700" cap="flat" cmpd="sng" algn="ctr">
+                      <a:solidFill>
+                        <a:schemeClr val="tx1"/>
+                      </a:solidFill>
+                      <a:prstDash val="solid"/>
+                      <a:round/>
+                      <a:headEnd type="none" w="med" len="med"/>
+                      <a:tailEnd type="none" w="med" len="med"/>
+                    </a:lnR>
+                    <a:lnT w="12700" cap="flat" cmpd="sng" algn="ctr">
+                      <a:solidFill>
+                        <a:schemeClr val="tx1"/>
+                      </a:solidFill>
+                      <a:prstDash val="solid"/>
+                      <a:round/>
+                      <a:headEnd type="none" w="med" len="med"/>
+                      <a:tailEnd type="none" w="med" len="med"/>
+                    </a:lnT>
+                    <a:lnB w="12700" cap="flat" cmpd="sng" algn="ctr">
+                      <a:solidFill>
+                        <a:schemeClr val="tx1"/>
+                      </a:solidFill>
+                      <a:prstDash val="solid"/>
+                      <a:round/>
+                      <a:headEnd type="none" w="med" len="med"/>
+                      <a:tailEnd type="none" w="med" len="med"/>
+                    </a:lnB>
+                    <a:noFill/>
+                  </a:tcPr>
+                </a:tc>
+                <a:tc>
+                  <a:txBody>
+                    <a:bodyPr/>
+                    <a:lstStyle/>
+                    <a:p>
+                      <a:pPr algn="ctr" latinLnBrk="1"/>
+                      <a:endParaRPr lang="ko-KR" altLang="en-US" dirty="0">
+                        <a:solidFill>
+                          <a:schemeClr val="tx1"/>
+                        </a:solidFill>
+                      </a:endParaRPr>
+                    </a:p>
+                  </a:txBody>
+                  <a:tcPr anchor="ctr">
+                    <a:lnL w="12700" cap="flat" cmpd="sng" algn="ctr">
+                      <a:solidFill>
+                        <a:schemeClr val="tx1"/>
+                      </a:solidFill>
+                      <a:prstDash val="solid"/>
+                      <a:round/>
+                      <a:headEnd type="none" w="med" len="med"/>
+                      <a:tailEnd type="none" w="med" len="med"/>
+                    </a:lnL>
+                    <a:lnR w="12700" cap="flat" cmpd="sng" algn="ctr">
+                      <a:solidFill>
+                        <a:schemeClr val="tx1"/>
+                      </a:solidFill>
+                      <a:prstDash val="solid"/>
+                      <a:round/>
+                      <a:headEnd type="none" w="med" len="med"/>
+                      <a:tailEnd type="none" w="med" len="med"/>
+                    </a:lnR>
+                    <a:lnT w="12700" cap="flat" cmpd="sng" algn="ctr">
+                      <a:solidFill>
+                        <a:schemeClr val="tx1"/>
+                      </a:solidFill>
+                      <a:prstDash val="solid"/>
+                      <a:round/>
+                      <a:headEnd type="none" w="med" len="med"/>
+                      <a:tailEnd type="none" w="med" len="med"/>
+                    </a:lnT>
+                    <a:lnB w="12700" cap="flat" cmpd="sng" algn="ctr">
+                      <a:solidFill>
+                        <a:schemeClr val="tx1"/>
+                      </a:solidFill>
+                      <a:prstDash val="solid"/>
+                      <a:round/>
+                      <a:headEnd type="none" w="med" len="med"/>
+                      <a:tailEnd type="none" w="med" len="med"/>
+                    </a:lnB>
+                    <a:noFill/>
+                  </a:tcPr>
+                </a:tc>
+                <a:extLst>
+                  <a:ext uri="{0D108BD9-81ED-4DB2-BD59-A6C34878D82A}">
+                    <a16:rowId xmlns:a16="http://schemas.microsoft.com/office/drawing/2014/main" val="3576279328"/>
+                  </a:ext>
+                </a:extLst>
+              </a:tr>
+              <a:tr h="868317">
+                <a:tc>
+                  <a:txBody>
+                    <a:bodyPr/>
+                    <a:lstStyle/>
+                    <a:p>
+                      <a:pPr algn="ctr" latinLnBrk="1"/>
+                      <a:r>
+                        <a:rPr lang="ko-KR" altLang="en-US" dirty="0">
+                          <a:solidFill>
+                            <a:schemeClr val="tx1"/>
+                          </a:solidFill>
+                        </a:rPr>
+                        <a:t>지간</a:t>
+                      </a:r>
+                    </a:p>
+                  </a:txBody>
+                  <a:tcPr anchor="ctr">
+                    <a:lnL w="12700" cap="flat" cmpd="sng" algn="ctr">
+                      <a:solidFill>
+                        <a:schemeClr val="tx1"/>
+                      </a:solidFill>
+                      <a:prstDash val="solid"/>
+                      <a:round/>
+                      <a:headEnd type="none" w="med" len="med"/>
+                      <a:tailEnd type="none" w="med" len="med"/>
+                    </a:lnL>
+                    <a:lnR w="12700" cap="flat" cmpd="sng" algn="ctr">
+                      <a:solidFill>
+                        <a:schemeClr val="tx1"/>
+                      </a:solidFill>
+                      <a:prstDash val="solid"/>
+                      <a:round/>
+                      <a:headEnd type="none" w="med" len="med"/>
+                      <a:tailEnd type="none" w="med" len="med"/>
+                    </a:lnR>
+                    <a:lnT w="12700" cap="flat" cmpd="sng" algn="ctr">
+                      <a:solidFill>
+                        <a:schemeClr val="tx1"/>
+                      </a:solidFill>
+                      <a:prstDash val="solid"/>
+                      <a:round/>
+                      <a:headEnd type="none" w="med" len="med"/>
+                      <a:tailEnd type="none" w="med" len="med"/>
+                    </a:lnT>
+                    <a:lnB w="12700" cap="flat" cmpd="sng" algn="ctr">
+                      <a:solidFill>
+                        <a:schemeClr val="tx1"/>
+                      </a:solidFill>
+                      <a:prstDash val="solid"/>
+                      <a:round/>
+                      <a:headEnd type="none" w="med" len="med"/>
+                      <a:tailEnd type="none" w="med" len="med"/>
+                    </a:lnB>
+                    <a:noFill/>
+                  </a:tcPr>
+                </a:tc>
+                <a:tc>
+                  <a:txBody>
+                    <a:bodyPr/>
+                    <a:lstStyle/>
+                    <a:p>
+                      <a:pPr algn="ctr" latinLnBrk="1"/>
+                      <a:endParaRPr lang="ko-KR" altLang="en-US" dirty="0">
+                        <a:solidFill>
+                          <a:schemeClr val="tx1"/>
+                        </a:solidFill>
+                      </a:endParaRPr>
+                    </a:p>
+                  </a:txBody>
+                  <a:tcPr anchor="ctr">
+                    <a:lnL w="12700" cap="flat" cmpd="sng" algn="ctr">
+                      <a:solidFill>
+                        <a:schemeClr val="tx1"/>
+                      </a:solidFill>
+                      <a:prstDash val="solid"/>
+                      <a:round/>
+                      <a:headEnd type="none" w="med" len="med"/>
+                      <a:tailEnd type="none" w="med" len="med"/>
+                    </a:lnL>
+                    <a:lnR w="12700" cap="flat" cmpd="sng" algn="ctr">
+                      <a:solidFill>
+                        <a:schemeClr val="tx1"/>
+                      </a:solidFill>
+                      <a:prstDash val="solid"/>
+                      <a:round/>
+                      <a:headEnd type="none" w="med" len="med"/>
+                      <a:tailEnd type="none" w="med" len="med"/>
+                    </a:lnR>
+                    <a:lnT w="12700" cap="flat" cmpd="sng" algn="ctr">
+                      <a:solidFill>
+                        <a:schemeClr val="tx1"/>
+                      </a:solidFill>
+                      <a:prstDash val="solid"/>
+                      <a:round/>
+                      <a:headEnd type="none" w="med" len="med"/>
+                      <a:tailEnd type="none" w="med" len="med"/>
+                    </a:lnT>
+                    <a:lnB w="12700" cap="flat" cmpd="sng" algn="ctr">
+                      <a:solidFill>
+                        <a:schemeClr val="tx1"/>
+                      </a:solidFill>
+                      <a:prstDash val="solid"/>
+                      <a:round/>
+                      <a:headEnd type="none" w="med" len="med"/>
+                      <a:tailEnd type="none" w="med" len="med"/>
+                    </a:lnB>
+                    <a:noFill/>
+                  </a:tcPr>
+                </a:tc>
+                <a:tc>
+                  <a:txBody>
+                    <a:bodyPr/>
+                    <a:lstStyle/>
+                    <a:p>
+                      <a:pPr algn="ctr" latinLnBrk="1"/>
+                      <a:endParaRPr lang="ko-KR" altLang="en-US" dirty="0">
+                        <a:solidFill>
+                          <a:schemeClr val="tx1"/>
+                        </a:solidFill>
+                      </a:endParaRPr>
+                    </a:p>
+                  </a:txBody>
+                  <a:tcPr anchor="ctr">
+                    <a:lnL w="12700" cap="flat" cmpd="sng" algn="ctr">
+                      <a:solidFill>
+                        <a:schemeClr val="tx1"/>
+                      </a:solidFill>
+                      <a:prstDash val="solid"/>
+                      <a:round/>
+                      <a:headEnd type="none" w="med" len="med"/>
+                      <a:tailEnd type="none" w="med" len="med"/>
+                    </a:lnL>
+                    <a:lnR w="12700" cap="flat" cmpd="sng" algn="ctr">
+                      <a:solidFill>
+                        <a:schemeClr val="tx1"/>
+                      </a:solidFill>
+                      <a:prstDash val="solid"/>
+                      <a:round/>
+                      <a:headEnd type="none" w="med" len="med"/>
+                      <a:tailEnd type="none" w="med" len="med"/>
+                    </a:lnR>
+                    <a:lnT w="12700" cap="flat" cmpd="sng" algn="ctr">
+                      <a:solidFill>
+                        <a:schemeClr val="tx1"/>
+                      </a:solidFill>
+                      <a:prstDash val="solid"/>
+                      <a:round/>
+                      <a:headEnd type="none" w="med" len="med"/>
+                      <a:tailEnd type="none" w="med" len="med"/>
+                    </a:lnT>
+                    <a:lnB w="12700" cap="flat" cmpd="sng" algn="ctr">
+                      <a:solidFill>
+                        <a:schemeClr val="tx1"/>
+                      </a:solidFill>
+                      <a:prstDash val="solid"/>
+                      <a:round/>
+                      <a:headEnd type="none" w="med" len="med"/>
+                      <a:tailEnd type="none" w="med" len="med"/>
+                    </a:lnB>
+                    <a:noFill/>
+                  </a:tcPr>
+                </a:tc>
+                <a:tc>
+                  <a:txBody>
+                    <a:bodyPr/>
+                    <a:lstStyle/>
+                    <a:p>
+                      <a:pPr algn="ctr" latinLnBrk="1"/>
+                      <a:endParaRPr lang="ko-KR" altLang="en-US" dirty="0">
+                        <a:solidFill>
+                          <a:schemeClr val="tx1"/>
+                        </a:solidFill>
+                      </a:endParaRPr>
+                    </a:p>
+                  </a:txBody>
+                  <a:tcPr anchor="ctr">
+                    <a:lnL w="12700" cap="flat" cmpd="sng" algn="ctr">
+                      <a:solidFill>
+                        <a:schemeClr val="tx1"/>
+                      </a:solidFill>
+                      <a:prstDash val="solid"/>
+                      <a:round/>
+                      <a:headEnd type="none" w="med" len="med"/>
+                      <a:tailEnd type="none" w="med" len="med"/>
+                    </a:lnL>
+                    <a:lnR w="12700" cap="flat" cmpd="sng" algn="ctr">
+                      <a:solidFill>
+                        <a:schemeClr val="tx1"/>
+                      </a:solidFill>
+                      <a:prstDash val="solid"/>
+                      <a:round/>
+                      <a:headEnd type="none" w="med" len="med"/>
+                      <a:tailEnd type="none" w="med" len="med"/>
+                    </a:lnR>
+                    <a:lnT w="12700" cap="flat" cmpd="sng" algn="ctr">
+                      <a:solidFill>
+                        <a:schemeClr val="tx1"/>
+                      </a:solidFill>
+                      <a:prstDash val="solid"/>
+                      <a:round/>
+                      <a:headEnd type="none" w="med" len="med"/>
+                      <a:tailEnd type="none" w="med" len="med"/>
+                    </a:lnT>
+                    <a:lnB w="12700" cap="flat" cmpd="sng" algn="ctr">
+                      <a:solidFill>
+                        <a:schemeClr val="tx1"/>
+                      </a:solidFill>
+                      <a:prstDash val="solid"/>
+                      <a:round/>
+                      <a:headEnd type="none" w="med" len="med"/>
+                      <a:tailEnd type="none" w="med" len="med"/>
+                    </a:lnB>
+                    <a:noFill/>
+                  </a:tcPr>
+                </a:tc>
+                <a:tc>
+                  <a:txBody>
+                    <a:bodyPr/>
+                    <a:lstStyle/>
+                    <a:p>
+                      <a:pPr algn="ctr" latinLnBrk="1"/>
+                      <a:endParaRPr lang="ko-KR" altLang="en-US" dirty="0">
+                        <a:solidFill>
+                          <a:schemeClr val="tx1"/>
+                        </a:solidFill>
+                      </a:endParaRPr>
+                    </a:p>
+                  </a:txBody>
+                  <a:tcPr anchor="ctr">
+                    <a:lnL w="12700" cap="flat" cmpd="sng" algn="ctr">
+                      <a:solidFill>
+                        <a:schemeClr val="tx1"/>
+                      </a:solidFill>
+                      <a:prstDash val="solid"/>
+                      <a:round/>
+                      <a:headEnd type="none" w="med" len="med"/>
+                      <a:tailEnd type="none" w="med" len="med"/>
+                    </a:lnL>
+                    <a:lnR w="12700" cap="flat" cmpd="sng" algn="ctr">
+                      <a:solidFill>
+                        <a:schemeClr val="tx1"/>
+                      </a:solidFill>
+                      <a:prstDash val="solid"/>
+                      <a:round/>
+                      <a:headEnd type="none" w="med" len="med"/>
+                      <a:tailEnd type="none" w="med" len="med"/>
+                    </a:lnR>
+                    <a:lnT w="12700" cap="flat" cmpd="sng" algn="ctr">
+                      <a:solidFill>
+                        <a:schemeClr val="tx1"/>
+                      </a:solidFill>
+                      <a:prstDash val="solid"/>
+                      <a:round/>
+                      <a:headEnd type="none" w="med" len="med"/>
+                      <a:tailEnd type="none" w="med" len="med"/>
+                    </a:lnT>
+                    <a:lnB w="12700" cap="flat" cmpd="sng" algn="ctr">
+                      <a:solidFill>
+                        <a:schemeClr val="tx1"/>
+                      </a:solidFill>
+                      <a:prstDash val="solid"/>
+                      <a:round/>
+                      <a:headEnd type="none" w="med" len="med"/>
+                      <a:tailEnd type="none" w="med" len="med"/>
+                    </a:lnB>
+                    <a:noFill/>
+                  </a:tcPr>
+                </a:tc>
+                <a:extLst>
+                  <a:ext uri="{0D108BD9-81ED-4DB2-BD59-A6C34878D82A}">
+                    <a16:rowId xmlns:a16="http://schemas.microsoft.com/office/drawing/2014/main" val="246657219"/>
+                  </a:ext>
+                </a:extLst>
+              </a:tr>
+            </a:tbl>
+          </a:graphicData>
+        </a:graphic>
+      </p:graphicFrame>
+      <p:cxnSp>
+        <p:nvCxnSpPr>
+          <p:cNvPr id="27" name="직선 연결선 26">
+            <a:extLst>
+              <a:ext uri="{FF2B5EF4-FFF2-40B4-BE49-F238E27FC236}">
+                <a16:creationId xmlns:a16="http://schemas.microsoft.com/office/drawing/2014/main" id="{334142FC-6059-3BF8-BC30-C6EEE8ED0743}"/>
+              </a:ext>
+            </a:extLst>
+          </p:cNvPr>
+          <p:cNvCxnSpPr>
+            <a:cxnSpLocks/>
+          </p:cNvCxnSpPr>
+          <p:nvPr/>
+        </p:nvCxnSpPr>
+        <p:spPr>
+          <a:xfrm flipH="1">
+            <a:off x="3256670" y="2694690"/>
+            <a:ext cx="1273126" cy="876085"/>
+          </a:xfrm>
+          <a:prstGeom prst="line">
+            <a:avLst/>
+          </a:prstGeom>
+          <a:ln>
+            <a:solidFill>
+              <a:schemeClr val="tx1"/>
+            </a:solidFill>
+          </a:ln>
+        </p:spPr>
+        <p:style>
+          <a:lnRef idx="1">
+            <a:schemeClr val="accent1"/>
+          </a:lnRef>
+          <a:fillRef idx="0">
+            <a:schemeClr val="accent1"/>
+          </a:fillRef>
+          <a:effectRef idx="0">
+            <a:schemeClr val="accent1"/>
+          </a:effectRef>
+          <a:fontRef idx="minor">
+            <a:schemeClr val="tx1"/>
+          </a:fontRef>
+        </p:style>
+      </p:cxnSp>
+      <p:sp>
+        <p:nvSpPr>
+          <p:cNvPr id="31" name="직사각형 30">
+            <a:extLst>
+              <a:ext uri="{FF2B5EF4-FFF2-40B4-BE49-F238E27FC236}">
+                <a16:creationId xmlns:a16="http://schemas.microsoft.com/office/drawing/2014/main" id="{94C1EC3F-C3C5-1F33-D2EE-CE460D7D2B98}"/>
+              </a:ext>
+            </a:extLst>
+          </p:cNvPr>
+          <p:cNvSpPr/>
+          <p:nvPr/>
+        </p:nvSpPr>
+        <p:spPr>
+          <a:xfrm>
+            <a:off x="175541" y="1542601"/>
+            <a:ext cx="2335237" cy="666000"/>
+          </a:xfrm>
+          <a:prstGeom prst="rect">
+            <a:avLst/>
+          </a:prstGeom>
+          <a:noFill/>
+          <a:ln>
+            <a:solidFill>
+              <a:schemeClr val="tx1"/>
+            </a:solidFill>
+          </a:ln>
+        </p:spPr>
+        <p:style>
+          <a:lnRef idx="2">
+            <a:schemeClr val="accent1">
+              <a:shade val="50000"/>
+            </a:schemeClr>
+          </a:lnRef>
+          <a:fillRef idx="1">
+            <a:schemeClr val="accent1"/>
+          </a:fillRef>
+          <a:effectRef idx="0">
+            <a:schemeClr val="accent1"/>
+          </a:effectRef>
+          <a:fontRef idx="minor">
+            <a:schemeClr val="lt1"/>
+          </a:fontRef>
+        </p:style>
+        <p:txBody>
+          <a:bodyPr rtlCol="0" anchor="ctr"/>
+          <a:lstStyle/>
+          <a:p>
+            <a:pPr algn="ctr"/>
+            <a:r>
+              <a:rPr lang="ko-KR" altLang="en-US" dirty="0">
+                <a:solidFill>
+                  <a:schemeClr val="tx1"/>
+                </a:solidFill>
+              </a:rPr>
+              <a:t>사주</a:t>
+            </a:r>
+          </a:p>
+        </p:txBody>
+      </p:sp>
+      <p:sp>
+        <p:nvSpPr>
+          <p:cNvPr id="32" name="직사각형 31">
+            <a:extLst>
+              <a:ext uri="{FF2B5EF4-FFF2-40B4-BE49-F238E27FC236}">
+                <a16:creationId xmlns:a16="http://schemas.microsoft.com/office/drawing/2014/main" id="{B493CBA1-7244-6E8D-5374-331033728592}"/>
+              </a:ext>
+            </a:extLst>
+          </p:cNvPr>
+          <p:cNvSpPr/>
+          <p:nvPr/>
+        </p:nvSpPr>
+        <p:spPr>
+          <a:xfrm>
+            <a:off x="175541" y="4922893"/>
+            <a:ext cx="2335237" cy="666000"/>
+          </a:xfrm>
+          <a:prstGeom prst="rect">
+            <a:avLst/>
+          </a:prstGeom>
+          <a:noFill/>
+          <a:ln>
+            <a:solidFill>
+              <a:schemeClr val="tx1"/>
+            </a:solidFill>
+          </a:ln>
+        </p:spPr>
+        <p:style>
+          <a:lnRef idx="2">
+            <a:schemeClr val="accent1">
+              <a:shade val="50000"/>
+            </a:schemeClr>
+          </a:lnRef>
+          <a:fillRef idx="1">
+            <a:schemeClr val="accent1"/>
+          </a:fillRef>
+          <a:effectRef idx="0">
+            <a:schemeClr val="accent1"/>
+          </a:effectRef>
+          <a:fontRef idx="minor">
+            <a:schemeClr val="lt1"/>
+          </a:fontRef>
+        </p:style>
+        <p:txBody>
+          <a:bodyPr rtlCol="0" anchor="ctr"/>
+          <a:lstStyle/>
+          <a:p>
+            <a:pPr algn="ctr"/>
+            <a:r>
+              <a:rPr lang="en-US" altLang="ko-KR" dirty="0">
+                <a:solidFill>
+                  <a:schemeClr val="tx1"/>
+                </a:solidFill>
+              </a:rPr>
+              <a:t>..</a:t>
+            </a:r>
+            <a:endParaRPr lang="ko-KR" altLang="en-US" dirty="0">
+              <a:solidFill>
+                <a:schemeClr val="tx1"/>
+              </a:solidFill>
+            </a:endParaRPr>
+          </a:p>
+        </p:txBody>
+      </p:sp>
+      <p:sp>
+        <p:nvSpPr>
+          <p:cNvPr id="33" name="직사각형 32">
+            <a:extLst>
+              <a:ext uri="{FF2B5EF4-FFF2-40B4-BE49-F238E27FC236}">
+                <a16:creationId xmlns:a16="http://schemas.microsoft.com/office/drawing/2014/main" id="{80F2CE10-E10C-49E3-C3EA-16F2F127DAE3}"/>
+              </a:ext>
+            </a:extLst>
+          </p:cNvPr>
+          <p:cNvSpPr/>
+          <p:nvPr/>
+        </p:nvSpPr>
+        <p:spPr>
+          <a:xfrm>
+            <a:off x="175541" y="4246833"/>
+            <a:ext cx="2335237" cy="666000"/>
+          </a:xfrm>
+          <a:prstGeom prst="rect">
+            <a:avLst/>
+          </a:prstGeom>
+          <a:noFill/>
+          <a:ln>
+            <a:solidFill>
+              <a:schemeClr val="tx1"/>
+            </a:solidFill>
+          </a:ln>
+        </p:spPr>
+        <p:style>
+          <a:lnRef idx="2">
+            <a:schemeClr val="accent1">
+              <a:shade val="50000"/>
+            </a:schemeClr>
+          </a:lnRef>
+          <a:fillRef idx="1">
+            <a:schemeClr val="accent1"/>
+          </a:fillRef>
+          <a:effectRef idx="0">
+            <a:schemeClr val="accent1"/>
+          </a:effectRef>
+          <a:fontRef idx="minor">
+            <a:schemeClr val="lt1"/>
+          </a:fontRef>
+        </p:style>
+        <p:txBody>
+          <a:bodyPr rtlCol="0" anchor="ctr"/>
+          <a:lstStyle/>
+          <a:p>
+            <a:pPr algn="ctr"/>
+            <a:r>
+              <a:rPr lang="en-US" altLang="ko-KR" dirty="0">
+                <a:solidFill>
+                  <a:schemeClr val="tx1"/>
+                </a:solidFill>
+              </a:rPr>
+              <a:t>..</a:t>
+            </a:r>
+            <a:endParaRPr lang="ko-KR" altLang="en-US" dirty="0">
+              <a:solidFill>
+                <a:schemeClr val="tx1"/>
+              </a:solidFill>
+            </a:endParaRPr>
+          </a:p>
+        </p:txBody>
+      </p:sp>
+      <p:sp>
+        <p:nvSpPr>
+          <p:cNvPr id="34" name="직사각형 33">
+            <a:extLst>
+              <a:ext uri="{FF2B5EF4-FFF2-40B4-BE49-F238E27FC236}">
+                <a16:creationId xmlns:a16="http://schemas.microsoft.com/office/drawing/2014/main" id="{1EB32F08-AFE7-8A0A-188A-2A03B87554D0}"/>
+              </a:ext>
+            </a:extLst>
+          </p:cNvPr>
+          <p:cNvSpPr/>
+          <p:nvPr/>
+        </p:nvSpPr>
+        <p:spPr>
+          <a:xfrm>
+            <a:off x="175541" y="3570775"/>
+            <a:ext cx="2335237" cy="666000"/>
+          </a:xfrm>
+          <a:prstGeom prst="rect">
+            <a:avLst/>
+          </a:prstGeom>
+          <a:noFill/>
+          <a:ln>
+            <a:solidFill>
+              <a:schemeClr val="tx1"/>
+            </a:solidFill>
+          </a:ln>
+        </p:spPr>
+        <p:style>
+          <a:lnRef idx="2">
+            <a:schemeClr val="accent1">
+              <a:shade val="50000"/>
+            </a:schemeClr>
+          </a:lnRef>
+          <a:fillRef idx="1">
+            <a:schemeClr val="accent1"/>
+          </a:fillRef>
+          <a:effectRef idx="0">
+            <a:schemeClr val="accent1"/>
+          </a:effectRef>
+          <a:fontRef idx="minor">
+            <a:schemeClr val="lt1"/>
+          </a:fontRef>
+        </p:style>
+        <p:txBody>
+          <a:bodyPr rtlCol="0" anchor="ctr"/>
+          <a:lstStyle/>
+          <a:p>
+            <a:pPr algn="ctr"/>
+            <a:r>
+              <a:rPr lang="en-US" altLang="ko-KR" dirty="0">
+                <a:solidFill>
+                  <a:schemeClr val="tx1"/>
+                </a:solidFill>
+              </a:rPr>
+              <a:t>..</a:t>
+            </a:r>
+            <a:endParaRPr lang="ko-KR" altLang="en-US" dirty="0">
+              <a:solidFill>
+                <a:schemeClr val="tx1"/>
+              </a:solidFill>
+            </a:endParaRPr>
+          </a:p>
+        </p:txBody>
+      </p:sp>
+      <p:sp>
+        <p:nvSpPr>
+          <p:cNvPr id="35" name="직사각형 34">
+            <a:extLst>
+              <a:ext uri="{FF2B5EF4-FFF2-40B4-BE49-F238E27FC236}">
+                <a16:creationId xmlns:a16="http://schemas.microsoft.com/office/drawing/2014/main" id="{4A58964E-1881-B0F2-2347-A3971A1AC4D3}"/>
+              </a:ext>
+            </a:extLst>
+          </p:cNvPr>
+          <p:cNvSpPr/>
+          <p:nvPr/>
+        </p:nvSpPr>
+        <p:spPr>
+          <a:xfrm>
+            <a:off x="175541" y="2894717"/>
+            <a:ext cx="2335237" cy="666000"/>
+          </a:xfrm>
+          <a:prstGeom prst="rect">
+            <a:avLst/>
+          </a:prstGeom>
+          <a:noFill/>
+          <a:ln>
+            <a:solidFill>
+              <a:schemeClr val="tx1"/>
+            </a:solidFill>
+          </a:ln>
+        </p:spPr>
+        <p:style>
+          <a:lnRef idx="2">
+            <a:schemeClr val="accent1">
+              <a:shade val="50000"/>
+            </a:schemeClr>
+          </a:lnRef>
+          <a:fillRef idx="1">
+            <a:schemeClr val="accent1"/>
+          </a:fillRef>
+          <a:effectRef idx="0">
+            <a:schemeClr val="accent1"/>
+          </a:effectRef>
+          <a:fontRef idx="minor">
+            <a:schemeClr val="lt1"/>
+          </a:fontRef>
+        </p:style>
+        <p:txBody>
+          <a:bodyPr rtlCol="0" anchor="ctr"/>
+          <a:lstStyle/>
+          <a:p>
+            <a:pPr algn="ctr"/>
+            <a:r>
+              <a:rPr lang="ko-KR" altLang="en-US" dirty="0">
+                <a:solidFill>
+                  <a:schemeClr val="tx1"/>
+                </a:solidFill>
+              </a:rPr>
+              <a:t>별자리</a:t>
+            </a:r>
+          </a:p>
+        </p:txBody>
+      </p:sp>
+      <p:sp>
+        <p:nvSpPr>
+          <p:cNvPr id="36" name="직사각형 35">
+            <a:extLst>
+              <a:ext uri="{FF2B5EF4-FFF2-40B4-BE49-F238E27FC236}">
+                <a16:creationId xmlns:a16="http://schemas.microsoft.com/office/drawing/2014/main" id="{C2ECF87A-353E-BA7F-33ED-6D8FD00A6F83}"/>
+              </a:ext>
+            </a:extLst>
+          </p:cNvPr>
+          <p:cNvSpPr/>
+          <p:nvPr/>
+        </p:nvSpPr>
+        <p:spPr>
+          <a:xfrm>
+            <a:off x="175541" y="2218659"/>
+            <a:ext cx="2335237" cy="666000"/>
+          </a:xfrm>
+          <a:prstGeom prst="rect">
+            <a:avLst/>
+          </a:prstGeom>
+          <a:noFill/>
+          <a:ln>
+            <a:solidFill>
+              <a:schemeClr val="tx1"/>
+            </a:solidFill>
+          </a:ln>
+        </p:spPr>
+        <p:style>
+          <a:lnRef idx="2">
+            <a:schemeClr val="accent1">
+              <a:shade val="50000"/>
+            </a:schemeClr>
+          </a:lnRef>
+          <a:fillRef idx="1">
+            <a:schemeClr val="accent1"/>
+          </a:fillRef>
+          <a:effectRef idx="0">
+            <a:schemeClr val="accent1"/>
+          </a:effectRef>
+          <a:fontRef idx="minor">
+            <a:schemeClr val="lt1"/>
+          </a:fontRef>
+        </p:style>
+        <p:txBody>
+          <a:bodyPr rtlCol="0" anchor="ctr"/>
+          <a:lstStyle/>
+          <a:p>
+            <a:pPr algn="ctr"/>
+            <a:r>
+              <a:rPr lang="ko-KR" altLang="en-US" dirty="0">
+                <a:solidFill>
+                  <a:schemeClr val="tx1"/>
+                </a:solidFill>
+              </a:rPr>
+              <a:t>운세</a:t>
+            </a:r>
+          </a:p>
+        </p:txBody>
+      </p:sp>
+      <p:sp>
+        <p:nvSpPr>
+          <p:cNvPr id="15" name="화살표: 오른쪽 14">
+            <a:extLst>
+              <a:ext uri="{FF2B5EF4-FFF2-40B4-BE49-F238E27FC236}">
+                <a16:creationId xmlns:a16="http://schemas.microsoft.com/office/drawing/2014/main" id="{32188C71-37E6-DB14-311D-18FA61398510}"/>
+              </a:ext>
+            </a:extLst>
+          </p:cNvPr>
+          <p:cNvSpPr/>
+          <p:nvPr/>
+        </p:nvSpPr>
+        <p:spPr>
+          <a:xfrm rot="13194270">
+            <a:off x="4889364" y="3834593"/>
+            <a:ext cx="332071" cy="255698"/>
+          </a:xfrm>
+          <a:prstGeom prst="rightArrow">
+            <a:avLst/>
+          </a:prstGeom>
+          <a:noFill/>
+          <a:ln>
+            <a:solidFill>
+              <a:schemeClr val="tx1"/>
+            </a:solidFill>
+          </a:ln>
+        </p:spPr>
+        <p:style>
+          <a:lnRef idx="2">
+            <a:schemeClr val="accent1">
+              <a:shade val="50000"/>
+            </a:schemeClr>
+          </a:lnRef>
+          <a:fillRef idx="1">
+            <a:schemeClr val="accent1"/>
+          </a:fillRef>
+          <a:effectRef idx="0">
+            <a:schemeClr val="accent1"/>
+          </a:effectRef>
+          <a:fontRef idx="minor">
+            <a:schemeClr val="lt1"/>
+          </a:fontRef>
+        </p:style>
+        <p:txBody>
+          <a:bodyPr rtlCol="0" anchor="ctr"/>
+          <a:lstStyle/>
+          <a:p>
+            <a:pPr algn="ctr"/>
+            <a:endParaRPr lang="ko-KR" altLang="en-US"/>
+          </a:p>
+        </p:txBody>
+      </p:sp>
+      <p:sp>
+        <p:nvSpPr>
+          <p:cNvPr id="17" name="직사각형 16">
+            <a:extLst>
+              <a:ext uri="{FF2B5EF4-FFF2-40B4-BE49-F238E27FC236}">
+                <a16:creationId xmlns:a16="http://schemas.microsoft.com/office/drawing/2014/main" id="{EF8EE062-BB50-8C4F-E64F-7A7E401E48D4}"/>
+              </a:ext>
+            </a:extLst>
+          </p:cNvPr>
+          <p:cNvSpPr/>
+          <p:nvPr/>
+        </p:nvSpPr>
+        <p:spPr>
+          <a:xfrm>
+            <a:off x="5090570" y="3757853"/>
+            <a:ext cx="3826412" cy="1911046"/>
+          </a:xfrm>
+          <a:prstGeom prst="rect">
+            <a:avLst/>
+          </a:prstGeom>
+          <a:solidFill>
+            <a:schemeClr val="bg1"/>
+          </a:solidFill>
+          <a:ln>
+            <a:solidFill>
+              <a:schemeClr val="tx1"/>
+            </a:solidFill>
+          </a:ln>
+        </p:spPr>
+        <p:style>
+          <a:lnRef idx="2">
+            <a:schemeClr val="accent1">
+              <a:shade val="50000"/>
+            </a:schemeClr>
+          </a:lnRef>
+          <a:fillRef idx="1">
+            <a:schemeClr val="accent1"/>
+          </a:fillRef>
+          <a:effectRef idx="0">
+            <a:schemeClr val="accent1"/>
+          </a:effectRef>
+          <a:fontRef idx="minor">
+            <a:schemeClr val="lt1"/>
+          </a:fontRef>
+        </p:style>
+        <p:txBody>
+          <a:bodyPr rtlCol="0" anchor="ctr"/>
+          <a:lstStyle/>
+          <a:p>
+            <a:pPr algn="ctr"/>
+            <a:r>
+              <a:rPr lang="ko-KR" altLang="en-US" dirty="0">
+                <a:solidFill>
+                  <a:schemeClr val="tx1"/>
+                </a:solidFill>
+              </a:rPr>
+              <a:t>이 자리는 </a:t>
+            </a:r>
+            <a:r>
+              <a:rPr lang="ko-KR" altLang="en-US" dirty="0" err="1">
+                <a:solidFill>
+                  <a:schemeClr val="tx1"/>
+                </a:solidFill>
+              </a:rPr>
+              <a:t>년주에</a:t>
+            </a:r>
+            <a:r>
+              <a:rPr lang="ko-KR" altLang="en-US" dirty="0">
+                <a:solidFill>
+                  <a:schemeClr val="tx1"/>
+                </a:solidFill>
+              </a:rPr>
+              <a:t> 해당하며 천간의 자리이고 이러한 뜻과 의미를 가진다</a:t>
+            </a:r>
+            <a:r>
+              <a:rPr lang="en-US" altLang="ko-KR" dirty="0">
+                <a:solidFill>
+                  <a:schemeClr val="tx1"/>
+                </a:solidFill>
+              </a:rPr>
+              <a:t>.</a:t>
+            </a:r>
+            <a:endParaRPr lang="ko-KR" altLang="en-US" dirty="0">
+              <a:solidFill>
+                <a:schemeClr val="tx1"/>
+              </a:solidFill>
+            </a:endParaRPr>
+          </a:p>
+        </p:txBody>
+      </p:sp>
+    </p:spTree>
+    <p:extLst>
+      <p:ext uri="{BB962C8B-B14F-4D97-AF65-F5344CB8AC3E}">
+        <p14:creationId xmlns:p14="http://schemas.microsoft.com/office/powerpoint/2010/main" val="3430028505"/>
+      </p:ext>
+    </p:extLst>
+  </p:cSld>
+  <p:clrMapOvr>
+    <a:masterClrMapping/>
+  </p:clrMapOvr>
+</p:sld>
+</file>
+
+<file path=ppt/slides/slide5.xml><?xml version="1.0" encoding="utf-8"?>
+<p:sld xmlns:a="http://schemas.openxmlformats.org/drawingml/2006/main" xmlns:r="http://schemas.openxmlformats.org/officeDocument/2006/relationships" xmlns:p="http://schemas.openxmlformats.org/presentationml/2006/main">
+  <p:cSld>
+    <p:spTree>
+      <p:nvGrpSpPr>
+        <p:cNvPr id="1" name=""/>
+        <p:cNvGrpSpPr/>
+        <p:nvPr/>
+      </p:nvGrpSpPr>
+      <p:grpSpPr>
+        <a:xfrm>
+          <a:off x="0" y="0"/>
+          <a:ext cx="0" cy="0"/>
+          <a:chOff x="0" y="0"/>
+          <a:chExt cx="0" cy="0"/>
+        </a:xfrm>
+      </p:grpSpPr>
+      <p:sp>
+        <p:nvSpPr>
+          <p:cNvPr id="4" name="직사각형 3">
+            <a:extLst>
+              <a:ext uri="{FF2B5EF4-FFF2-40B4-BE49-F238E27FC236}">
+                <a16:creationId xmlns:a16="http://schemas.microsoft.com/office/drawing/2014/main" id="{5EA0388B-9D89-9B35-1302-28328187F387}"/>
+              </a:ext>
+            </a:extLst>
+          </p:cNvPr>
+          <p:cNvSpPr/>
+          <p:nvPr/>
+        </p:nvSpPr>
+        <p:spPr>
+          <a:xfrm>
+            <a:off x="168812" y="207843"/>
+            <a:ext cx="11760591" cy="6457071"/>
+          </a:xfrm>
+          <a:prstGeom prst="rect">
+            <a:avLst/>
+          </a:prstGeom>
+          <a:noFill/>
+          <a:ln>
+            <a:solidFill>
+              <a:schemeClr val="tx1"/>
+            </a:solidFill>
+          </a:ln>
+        </p:spPr>
+        <p:style>
+          <a:lnRef idx="2">
+            <a:schemeClr val="accent1">
+              <a:shade val="50000"/>
+            </a:schemeClr>
+          </a:lnRef>
+          <a:fillRef idx="1">
+            <a:schemeClr val="accent1"/>
+          </a:fillRef>
+          <a:effectRef idx="0">
+            <a:schemeClr val="accent1"/>
+          </a:effectRef>
+          <a:fontRef idx="minor">
+            <a:schemeClr val="lt1"/>
+          </a:fontRef>
+        </p:style>
+        <p:txBody>
+          <a:bodyPr rtlCol="0" anchor="ctr"/>
+          <a:lstStyle/>
+          <a:p>
+            <a:pPr algn="ctr"/>
+            <a:endParaRPr lang="ko-KR" altLang="en-US" dirty="0">
+              <a:solidFill>
+                <a:schemeClr val="tx1"/>
+              </a:solidFill>
+            </a:endParaRPr>
+          </a:p>
+        </p:txBody>
+      </p:sp>
+      <p:cxnSp>
+        <p:nvCxnSpPr>
+          <p:cNvPr id="6" name="직선 연결선 5">
+            <a:extLst>
+              <a:ext uri="{FF2B5EF4-FFF2-40B4-BE49-F238E27FC236}">
+                <a16:creationId xmlns:a16="http://schemas.microsoft.com/office/drawing/2014/main" id="{1607C432-CAB8-91E4-6B03-3A5C36B18157}"/>
+              </a:ext>
+            </a:extLst>
+          </p:cNvPr>
+          <p:cNvCxnSpPr/>
+          <p:nvPr/>
+        </p:nvCxnSpPr>
+        <p:spPr>
+          <a:xfrm>
+            <a:off x="168812" y="1533378"/>
+            <a:ext cx="11760591" cy="0"/>
+          </a:xfrm>
+          <a:prstGeom prst="line">
+            <a:avLst/>
+          </a:prstGeom>
+          <a:ln>
+            <a:solidFill>
+              <a:schemeClr val="tx1"/>
+            </a:solidFill>
+          </a:ln>
+        </p:spPr>
+        <p:style>
+          <a:lnRef idx="1">
+            <a:schemeClr val="dk1"/>
+          </a:lnRef>
+          <a:fillRef idx="0">
+            <a:schemeClr val="dk1"/>
+          </a:fillRef>
+          <a:effectRef idx="0">
+            <a:schemeClr val="dk1"/>
+          </a:effectRef>
+          <a:fontRef idx="minor">
+            <a:schemeClr val="tx1"/>
+          </a:fontRef>
+        </p:style>
+      </p:cxnSp>
+      <p:sp>
+        <p:nvSpPr>
+          <p:cNvPr id="7" name="직사각형 6">
+            <a:extLst>
+              <a:ext uri="{FF2B5EF4-FFF2-40B4-BE49-F238E27FC236}">
+                <a16:creationId xmlns:a16="http://schemas.microsoft.com/office/drawing/2014/main" id="{BA9CF0BC-0B7A-935A-DF78-5693B610E355}"/>
+              </a:ext>
+            </a:extLst>
+          </p:cNvPr>
+          <p:cNvSpPr/>
+          <p:nvPr/>
+        </p:nvSpPr>
+        <p:spPr>
+          <a:xfrm>
+            <a:off x="168812" y="207842"/>
+            <a:ext cx="3038622" cy="1325533"/>
+          </a:xfrm>
+          <a:prstGeom prst="rect">
+            <a:avLst/>
+          </a:prstGeom>
+          <a:noFill/>
+          <a:ln>
+            <a:solidFill>
+              <a:schemeClr val="tx1"/>
+            </a:solidFill>
+          </a:ln>
+        </p:spPr>
+        <p:style>
+          <a:lnRef idx="2">
+            <a:schemeClr val="accent1">
+              <a:shade val="50000"/>
+            </a:schemeClr>
+          </a:lnRef>
+          <a:fillRef idx="1">
+            <a:schemeClr val="accent1"/>
+          </a:fillRef>
+          <a:effectRef idx="0">
+            <a:schemeClr val="accent1"/>
+          </a:effectRef>
+          <a:fontRef idx="minor">
+            <a:schemeClr val="lt1"/>
+          </a:fontRef>
+        </p:style>
+        <p:txBody>
+          <a:bodyPr rtlCol="0" anchor="ctr"/>
+          <a:lstStyle/>
+          <a:p>
+            <a:pPr algn="ctr"/>
+            <a:r>
+              <a:rPr lang="en-US" altLang="ko-KR" dirty="0">
+                <a:solidFill>
+                  <a:schemeClr val="tx1"/>
+                </a:solidFill>
+              </a:rPr>
+              <a:t>FWER</a:t>
+            </a:r>
+            <a:endParaRPr lang="ko-KR" altLang="en-US" dirty="0">
+              <a:solidFill>
+                <a:schemeClr val="tx1"/>
+              </a:solidFill>
+            </a:endParaRPr>
+          </a:p>
+        </p:txBody>
+      </p:sp>
+      <p:sp>
+        <p:nvSpPr>
+          <p:cNvPr id="8" name="직사각형 7">
+            <a:extLst>
+              <a:ext uri="{FF2B5EF4-FFF2-40B4-BE49-F238E27FC236}">
+                <a16:creationId xmlns:a16="http://schemas.microsoft.com/office/drawing/2014/main" id="{365ABD43-FBA3-032F-6283-FDBE12710E43}"/>
+              </a:ext>
+            </a:extLst>
+          </p:cNvPr>
+          <p:cNvSpPr/>
+          <p:nvPr/>
+        </p:nvSpPr>
+        <p:spPr>
+          <a:xfrm>
+            <a:off x="4375052" y="207837"/>
+            <a:ext cx="2518117" cy="1325533"/>
+          </a:xfrm>
+          <a:prstGeom prst="rect">
+            <a:avLst/>
+          </a:prstGeom>
+          <a:noFill/>
+          <a:ln>
+            <a:solidFill>
+              <a:schemeClr val="tx1"/>
+            </a:solidFill>
+          </a:ln>
+        </p:spPr>
+        <p:style>
+          <a:lnRef idx="2">
+            <a:schemeClr val="accent1">
+              <a:shade val="50000"/>
+            </a:schemeClr>
+          </a:lnRef>
+          <a:fillRef idx="1">
+            <a:schemeClr val="accent1"/>
+          </a:fillRef>
+          <a:effectRef idx="0">
+            <a:schemeClr val="accent1"/>
+          </a:effectRef>
+          <a:fontRef idx="minor">
+            <a:schemeClr val="lt1"/>
+          </a:fontRef>
+        </p:style>
+        <p:txBody>
+          <a:bodyPr rtlCol="0" anchor="ctr"/>
+          <a:lstStyle/>
+          <a:p>
+            <a:pPr algn="ctr"/>
+            <a:r>
+              <a:rPr lang="ko-KR" altLang="en-US" dirty="0">
+                <a:solidFill>
+                  <a:schemeClr val="accent1">
+                    <a:lumMod val="40000"/>
+                    <a:lumOff val="60000"/>
+                  </a:schemeClr>
+                </a:solidFill>
+              </a:rPr>
+              <a:t>오늘</a:t>
+            </a:r>
+          </a:p>
+        </p:txBody>
+      </p:sp>
+      <p:sp>
+        <p:nvSpPr>
+          <p:cNvPr id="9" name="직사각형 8">
+            <a:extLst>
+              <a:ext uri="{FF2B5EF4-FFF2-40B4-BE49-F238E27FC236}">
+                <a16:creationId xmlns:a16="http://schemas.microsoft.com/office/drawing/2014/main" id="{83D8DE9F-EF4E-2933-3D82-6B8FBD9840E1}"/>
+              </a:ext>
+            </a:extLst>
+          </p:cNvPr>
+          <p:cNvSpPr/>
+          <p:nvPr/>
+        </p:nvSpPr>
+        <p:spPr>
+          <a:xfrm>
+            <a:off x="6893169" y="216076"/>
+            <a:ext cx="2518117" cy="1314805"/>
+          </a:xfrm>
+          <a:prstGeom prst="rect">
+            <a:avLst/>
+          </a:prstGeom>
+          <a:noFill/>
+          <a:ln>
+            <a:solidFill>
+              <a:schemeClr val="tx1"/>
+            </a:solidFill>
+          </a:ln>
+        </p:spPr>
+        <p:style>
+          <a:lnRef idx="2">
+            <a:schemeClr val="accent1">
+              <a:shade val="50000"/>
+            </a:schemeClr>
+          </a:lnRef>
+          <a:fillRef idx="1">
+            <a:schemeClr val="accent1"/>
+          </a:fillRef>
+          <a:effectRef idx="0">
+            <a:schemeClr val="accent1"/>
+          </a:effectRef>
+          <a:fontRef idx="minor">
+            <a:schemeClr val="lt1"/>
+          </a:fontRef>
+        </p:style>
+        <p:txBody>
+          <a:bodyPr rtlCol="0" anchor="ctr"/>
+          <a:lstStyle/>
+          <a:p>
+            <a:pPr algn="ctr"/>
+            <a:r>
+              <a:rPr lang="ko-KR" altLang="en-US" dirty="0">
+                <a:solidFill>
+                  <a:schemeClr val="tx1"/>
+                </a:solidFill>
+              </a:rPr>
+              <a:t>내일</a:t>
+            </a:r>
+          </a:p>
+        </p:txBody>
+      </p:sp>
+      <p:sp>
+        <p:nvSpPr>
+          <p:cNvPr id="10" name="직사각형 9">
+            <a:extLst>
+              <a:ext uri="{FF2B5EF4-FFF2-40B4-BE49-F238E27FC236}">
+                <a16:creationId xmlns:a16="http://schemas.microsoft.com/office/drawing/2014/main" id="{422D1EAB-0ED4-EAD3-8D08-CC1CF5D8C298}"/>
+              </a:ext>
+            </a:extLst>
+          </p:cNvPr>
+          <p:cNvSpPr/>
+          <p:nvPr/>
+        </p:nvSpPr>
+        <p:spPr>
+          <a:xfrm>
+            <a:off x="9411286" y="216076"/>
+            <a:ext cx="2518117" cy="1317294"/>
+          </a:xfrm>
+          <a:prstGeom prst="rect">
+            <a:avLst/>
+          </a:prstGeom>
+          <a:noFill/>
+          <a:ln>
+            <a:solidFill>
+              <a:schemeClr val="tx1"/>
+            </a:solidFill>
+          </a:ln>
+        </p:spPr>
+        <p:style>
+          <a:lnRef idx="2">
+            <a:schemeClr val="accent1">
+              <a:shade val="50000"/>
+            </a:schemeClr>
+          </a:lnRef>
+          <a:fillRef idx="1">
+            <a:schemeClr val="accent1"/>
+          </a:fillRef>
+          <a:effectRef idx="0">
+            <a:schemeClr val="accent1"/>
+          </a:effectRef>
+          <a:fontRef idx="minor">
+            <a:schemeClr val="lt1"/>
+          </a:fontRef>
+        </p:style>
+        <p:txBody>
+          <a:bodyPr rtlCol="0" anchor="ctr"/>
+          <a:lstStyle/>
+          <a:p>
+            <a:pPr algn="ctr"/>
+            <a:r>
+              <a:rPr lang="ko-KR" altLang="en-US" dirty="0">
+                <a:solidFill>
+                  <a:schemeClr val="tx1"/>
+                </a:solidFill>
+              </a:rPr>
+              <a:t>다른</a:t>
+            </a:r>
+          </a:p>
+        </p:txBody>
+      </p:sp>
+      <p:cxnSp>
+        <p:nvCxnSpPr>
+          <p:cNvPr id="12" name="직선 연결선 11">
+            <a:extLst>
+              <a:ext uri="{FF2B5EF4-FFF2-40B4-BE49-F238E27FC236}">
+                <a16:creationId xmlns:a16="http://schemas.microsoft.com/office/drawing/2014/main" id="{D0BA6D68-364D-468D-DBF5-329BB6ACCB92}"/>
+              </a:ext>
+            </a:extLst>
+          </p:cNvPr>
+          <p:cNvCxnSpPr>
+            <a:cxnSpLocks/>
+          </p:cNvCxnSpPr>
+          <p:nvPr/>
+        </p:nvCxnSpPr>
+        <p:spPr>
+          <a:xfrm>
+            <a:off x="2504049" y="1540406"/>
+            <a:ext cx="0" cy="4058536"/>
+          </a:xfrm>
+          <a:prstGeom prst="line">
+            <a:avLst/>
+          </a:prstGeom>
+          <a:ln>
+            <a:solidFill>
+              <a:schemeClr val="tx1"/>
+            </a:solidFill>
+          </a:ln>
+        </p:spPr>
+        <p:style>
+          <a:lnRef idx="1">
+            <a:schemeClr val="dk1"/>
+          </a:lnRef>
+          <a:fillRef idx="0">
+            <a:schemeClr val="dk1"/>
+          </a:fillRef>
+          <a:effectRef idx="0">
+            <a:schemeClr val="dk1"/>
+          </a:effectRef>
+          <a:fontRef idx="minor">
+            <a:schemeClr val="tx1"/>
+          </a:fontRef>
+        </p:style>
+      </p:cxnSp>
+      <p:cxnSp>
+        <p:nvCxnSpPr>
+          <p:cNvPr id="14" name="직선 연결선 13">
+            <a:extLst>
+              <a:ext uri="{FF2B5EF4-FFF2-40B4-BE49-F238E27FC236}">
+                <a16:creationId xmlns:a16="http://schemas.microsoft.com/office/drawing/2014/main" id="{6A5B5767-DBF7-7B47-C029-A8CFCA376084}"/>
+              </a:ext>
+            </a:extLst>
+          </p:cNvPr>
+          <p:cNvCxnSpPr/>
+          <p:nvPr/>
+        </p:nvCxnSpPr>
+        <p:spPr>
+          <a:xfrm>
+            <a:off x="168812" y="5627078"/>
+            <a:ext cx="11760591" cy="0"/>
+          </a:xfrm>
+          <a:prstGeom prst="line">
+            <a:avLst/>
+          </a:prstGeom>
+          <a:ln>
+            <a:solidFill>
+              <a:schemeClr val="tx1"/>
+            </a:solidFill>
+          </a:ln>
+        </p:spPr>
+        <p:style>
+          <a:lnRef idx="1">
+            <a:schemeClr val="dk1"/>
+          </a:lnRef>
+          <a:fillRef idx="0">
+            <a:schemeClr val="dk1"/>
+          </a:fillRef>
+          <a:effectRef idx="0">
+            <a:schemeClr val="dk1"/>
+          </a:effectRef>
+          <a:fontRef idx="minor">
+            <a:schemeClr val="tx1"/>
+          </a:fontRef>
+        </p:style>
+      </p:cxnSp>
+      <p:sp>
+        <p:nvSpPr>
+          <p:cNvPr id="16" name="직사각형 15">
+            <a:extLst>
+              <a:ext uri="{FF2B5EF4-FFF2-40B4-BE49-F238E27FC236}">
+                <a16:creationId xmlns:a16="http://schemas.microsoft.com/office/drawing/2014/main" id="{F6EF44A0-FF13-408D-33C3-AB49A9731823}"/>
+              </a:ext>
+            </a:extLst>
+          </p:cNvPr>
+          <p:cNvSpPr/>
+          <p:nvPr/>
+        </p:nvSpPr>
+        <p:spPr>
+          <a:xfrm>
+            <a:off x="166626" y="5636079"/>
+            <a:ext cx="11760591" cy="1033981"/>
+          </a:xfrm>
+          <a:prstGeom prst="rect">
+            <a:avLst/>
+          </a:prstGeom>
+          <a:noFill/>
+          <a:ln>
+            <a:solidFill>
+              <a:schemeClr val="tx1"/>
+            </a:solidFill>
+          </a:ln>
+        </p:spPr>
+        <p:style>
+          <a:lnRef idx="2">
+            <a:schemeClr val="accent1">
+              <a:shade val="50000"/>
+            </a:schemeClr>
+          </a:lnRef>
+          <a:fillRef idx="1">
+            <a:schemeClr val="accent1"/>
+          </a:fillRef>
+          <a:effectRef idx="0">
+            <a:schemeClr val="accent1"/>
+          </a:effectRef>
+          <a:fontRef idx="minor">
+            <a:schemeClr val="lt1"/>
+          </a:fontRef>
+        </p:style>
+        <p:txBody>
+          <a:bodyPr rtlCol="0" anchor="ctr"/>
+          <a:lstStyle/>
+          <a:p>
+            <a:pPr algn="ctr"/>
+            <a:r>
+              <a:rPr lang="en-US" altLang="ko-KR" dirty="0">
+                <a:solidFill>
+                  <a:schemeClr val="tx1"/>
+                </a:solidFill>
+              </a:rPr>
+              <a:t>Toy</a:t>
+            </a:r>
+            <a:r>
+              <a:rPr lang="ko-KR" altLang="en-US" dirty="0">
+                <a:solidFill>
+                  <a:schemeClr val="tx1"/>
+                </a:solidFill>
+              </a:rPr>
+              <a:t> </a:t>
+            </a:r>
+            <a:r>
+              <a:rPr lang="en-US" altLang="ko-KR" dirty="0">
+                <a:solidFill>
+                  <a:schemeClr val="tx1"/>
+                </a:solidFill>
+              </a:rPr>
+              <a:t>project</a:t>
+            </a:r>
+            <a:br>
+              <a:rPr lang="en-US" altLang="ko-KR" dirty="0">
+                <a:solidFill>
+                  <a:schemeClr val="tx1"/>
+                </a:solidFill>
+              </a:rPr>
+            </a:br>
+            <a:r>
+              <a:rPr lang="en-US" altLang="ko-KR" dirty="0">
+                <a:solidFill>
+                  <a:schemeClr val="tx1"/>
+                </a:solidFill>
+              </a:rPr>
+              <a:t>copyright</a:t>
+            </a:r>
+            <a:endParaRPr lang="ko-KR" altLang="en-US" dirty="0">
+              <a:solidFill>
+                <a:schemeClr val="tx1"/>
+              </a:solidFill>
+            </a:endParaRPr>
+          </a:p>
+        </p:txBody>
+      </p:sp>
+      <p:sp>
+        <p:nvSpPr>
+          <p:cNvPr id="2" name="직사각형 1">
+            <a:extLst>
+              <a:ext uri="{FF2B5EF4-FFF2-40B4-BE49-F238E27FC236}">
+                <a16:creationId xmlns:a16="http://schemas.microsoft.com/office/drawing/2014/main" id="{CE1B27EE-10B0-057C-9EE2-2D791AEE7E73}"/>
+              </a:ext>
+            </a:extLst>
+          </p:cNvPr>
+          <p:cNvSpPr/>
+          <p:nvPr/>
+        </p:nvSpPr>
+        <p:spPr>
+          <a:xfrm>
+            <a:off x="10381958" y="1648077"/>
+            <a:ext cx="1434904" cy="2941166"/>
+          </a:xfrm>
+          <a:prstGeom prst="rect">
+            <a:avLst/>
+          </a:prstGeom>
+          <a:noFill/>
+          <a:ln>
+            <a:solidFill>
+              <a:schemeClr val="tx1"/>
+            </a:solidFill>
+          </a:ln>
+        </p:spPr>
+        <p:style>
+          <a:lnRef idx="2">
+            <a:schemeClr val="accent1">
+              <a:shade val="50000"/>
+            </a:schemeClr>
+          </a:lnRef>
+          <a:fillRef idx="1">
+            <a:schemeClr val="accent1"/>
+          </a:fillRef>
+          <a:effectRef idx="0">
+            <a:schemeClr val="accent1"/>
+          </a:effectRef>
+          <a:fontRef idx="minor">
+            <a:schemeClr val="lt1"/>
+          </a:fontRef>
+        </p:style>
+        <p:txBody>
+          <a:bodyPr rtlCol="0" anchor="ctr"/>
+          <a:lstStyle/>
+          <a:p>
+            <a:pPr algn="ctr"/>
+            <a:r>
+              <a:rPr lang="ko-KR" altLang="en-US" dirty="0">
+                <a:solidFill>
+                  <a:schemeClr val="tx1"/>
+                </a:solidFill>
+              </a:rPr>
+              <a:t>채팅</a:t>
+            </a:r>
+          </a:p>
+        </p:txBody>
+      </p:sp>
+      <p:sp>
+        <p:nvSpPr>
+          <p:cNvPr id="3" name="직사각형 2">
+            <a:extLst>
+              <a:ext uri="{FF2B5EF4-FFF2-40B4-BE49-F238E27FC236}">
+                <a16:creationId xmlns:a16="http://schemas.microsoft.com/office/drawing/2014/main" id="{8990F00F-89D3-953F-9A51-555800463906}"/>
+              </a:ext>
+            </a:extLst>
+          </p:cNvPr>
+          <p:cNvSpPr/>
+          <p:nvPr/>
+        </p:nvSpPr>
+        <p:spPr>
+          <a:xfrm>
+            <a:off x="3256670" y="1885077"/>
+            <a:ext cx="1620000" cy="548627"/>
+          </a:xfrm>
+          <a:prstGeom prst="rect">
+            <a:avLst/>
+          </a:prstGeom>
+          <a:noFill/>
+          <a:ln>
+            <a:solidFill>
+              <a:schemeClr val="tx1"/>
+            </a:solidFill>
+          </a:ln>
+        </p:spPr>
+        <p:style>
+          <a:lnRef idx="2">
+            <a:schemeClr val="accent1">
+              <a:shade val="50000"/>
+            </a:schemeClr>
+          </a:lnRef>
+          <a:fillRef idx="1">
+            <a:schemeClr val="accent1"/>
+          </a:fillRef>
+          <a:effectRef idx="0">
+            <a:schemeClr val="accent1"/>
+          </a:effectRef>
+          <a:fontRef idx="minor">
+            <a:schemeClr val="lt1"/>
+          </a:fontRef>
+        </p:style>
+        <p:txBody>
+          <a:bodyPr rtlCol="0" anchor="ctr"/>
+          <a:lstStyle/>
+          <a:p>
+            <a:pPr algn="ctr"/>
+            <a:r>
+              <a:rPr lang="ko-KR" altLang="en-US" dirty="0">
+                <a:solidFill>
+                  <a:schemeClr val="tx1"/>
+                </a:solidFill>
+              </a:rPr>
+              <a:t>년도</a:t>
+            </a:r>
+          </a:p>
+        </p:txBody>
+      </p:sp>
+      <p:sp>
+        <p:nvSpPr>
+          <p:cNvPr id="5" name="직사각형 4">
+            <a:extLst>
+              <a:ext uri="{FF2B5EF4-FFF2-40B4-BE49-F238E27FC236}">
+                <a16:creationId xmlns:a16="http://schemas.microsoft.com/office/drawing/2014/main" id="{77BB2E6A-F6EE-CB35-5380-38BE30F37892}"/>
+              </a:ext>
+            </a:extLst>
+          </p:cNvPr>
+          <p:cNvSpPr/>
+          <p:nvPr/>
+        </p:nvSpPr>
+        <p:spPr>
+          <a:xfrm>
+            <a:off x="4893516" y="1885076"/>
+            <a:ext cx="1620000" cy="548627"/>
+          </a:xfrm>
+          <a:prstGeom prst="rect">
+            <a:avLst/>
+          </a:prstGeom>
+          <a:noFill/>
+          <a:ln>
+            <a:solidFill>
+              <a:schemeClr val="tx1"/>
+            </a:solidFill>
+          </a:ln>
+        </p:spPr>
+        <p:style>
+          <a:lnRef idx="2">
+            <a:schemeClr val="accent1">
+              <a:shade val="50000"/>
+            </a:schemeClr>
+          </a:lnRef>
+          <a:fillRef idx="1">
+            <a:schemeClr val="accent1"/>
+          </a:fillRef>
+          <a:effectRef idx="0">
+            <a:schemeClr val="accent1"/>
+          </a:effectRef>
+          <a:fontRef idx="minor">
+            <a:schemeClr val="lt1"/>
+          </a:fontRef>
+        </p:style>
+        <p:txBody>
+          <a:bodyPr rtlCol="0" anchor="ctr"/>
+          <a:lstStyle/>
+          <a:p>
+            <a:pPr algn="ctr"/>
+            <a:r>
+              <a:rPr lang="ko-KR" altLang="en-US" dirty="0">
+                <a:solidFill>
+                  <a:schemeClr val="tx1"/>
+                </a:solidFill>
+              </a:rPr>
+              <a:t>월</a:t>
+            </a:r>
+          </a:p>
+        </p:txBody>
+      </p:sp>
+      <p:sp>
+        <p:nvSpPr>
+          <p:cNvPr id="11" name="직사각형 10">
+            <a:extLst>
+              <a:ext uri="{FF2B5EF4-FFF2-40B4-BE49-F238E27FC236}">
+                <a16:creationId xmlns:a16="http://schemas.microsoft.com/office/drawing/2014/main" id="{9A4445B3-B9DF-7C54-5C4E-8D746F25BD1B}"/>
+              </a:ext>
+            </a:extLst>
+          </p:cNvPr>
+          <p:cNvSpPr/>
+          <p:nvPr/>
+        </p:nvSpPr>
+        <p:spPr>
+          <a:xfrm>
+            <a:off x="6530362" y="1885075"/>
+            <a:ext cx="1620000" cy="548627"/>
+          </a:xfrm>
+          <a:prstGeom prst="rect">
+            <a:avLst/>
+          </a:prstGeom>
+          <a:noFill/>
+          <a:ln>
+            <a:solidFill>
+              <a:schemeClr val="tx1"/>
+            </a:solidFill>
+          </a:ln>
+        </p:spPr>
+        <p:style>
+          <a:lnRef idx="2">
+            <a:schemeClr val="accent1">
+              <a:shade val="50000"/>
+            </a:schemeClr>
+          </a:lnRef>
+          <a:fillRef idx="1">
+            <a:schemeClr val="accent1"/>
+          </a:fillRef>
+          <a:effectRef idx="0">
+            <a:schemeClr val="accent1"/>
+          </a:effectRef>
+          <a:fontRef idx="minor">
+            <a:schemeClr val="lt1"/>
+          </a:fontRef>
+        </p:style>
+        <p:txBody>
+          <a:bodyPr rtlCol="0" anchor="ctr"/>
+          <a:lstStyle/>
+          <a:p>
+            <a:pPr algn="ctr"/>
+            <a:r>
+              <a:rPr lang="ko-KR" altLang="en-US" dirty="0">
+                <a:solidFill>
+                  <a:schemeClr val="tx1"/>
+                </a:solidFill>
+              </a:rPr>
+              <a:t>일</a:t>
+            </a:r>
+          </a:p>
+        </p:txBody>
+      </p:sp>
+      <p:sp>
+        <p:nvSpPr>
+          <p:cNvPr id="13" name="직사각형 12">
+            <a:extLst>
+              <a:ext uri="{FF2B5EF4-FFF2-40B4-BE49-F238E27FC236}">
+                <a16:creationId xmlns:a16="http://schemas.microsoft.com/office/drawing/2014/main" id="{160A4354-4305-1B5E-DD85-5AAEF1316934}"/>
+              </a:ext>
+            </a:extLst>
+          </p:cNvPr>
+          <p:cNvSpPr/>
+          <p:nvPr/>
+        </p:nvSpPr>
+        <p:spPr>
+          <a:xfrm>
+            <a:off x="8153140" y="1882577"/>
+            <a:ext cx="1620000" cy="548627"/>
+          </a:xfrm>
+          <a:prstGeom prst="rect">
+            <a:avLst/>
+          </a:prstGeom>
+          <a:noFill/>
+          <a:ln>
+            <a:solidFill>
+              <a:schemeClr val="tx1"/>
+            </a:solidFill>
+          </a:ln>
+        </p:spPr>
+        <p:style>
+          <a:lnRef idx="2">
+            <a:schemeClr val="accent1">
+              <a:shade val="50000"/>
+            </a:schemeClr>
+          </a:lnRef>
+          <a:fillRef idx="1">
+            <a:schemeClr val="accent1"/>
+          </a:fillRef>
+          <a:effectRef idx="0">
+            <a:schemeClr val="accent1"/>
+          </a:effectRef>
+          <a:fontRef idx="minor">
+            <a:schemeClr val="lt1"/>
+          </a:fontRef>
+        </p:style>
+        <p:txBody>
+          <a:bodyPr rtlCol="0" anchor="ctr"/>
+          <a:lstStyle/>
+          <a:p>
+            <a:pPr algn="ctr"/>
+            <a:r>
+              <a:rPr lang="ko-KR" altLang="en-US" dirty="0">
+                <a:solidFill>
+                  <a:schemeClr val="tx1"/>
+                </a:solidFill>
+              </a:rPr>
+              <a:t>일</a:t>
+            </a:r>
+          </a:p>
+        </p:txBody>
+      </p:sp>
+      <p:sp>
+        <p:nvSpPr>
+          <p:cNvPr id="37" name="타원 36">
+            <a:extLst>
+              <a:ext uri="{FF2B5EF4-FFF2-40B4-BE49-F238E27FC236}">
+                <a16:creationId xmlns:a16="http://schemas.microsoft.com/office/drawing/2014/main" id="{A57D8FE2-A9AA-B3FD-E6D9-8E369D1CAAB3}"/>
+              </a:ext>
+            </a:extLst>
+          </p:cNvPr>
+          <p:cNvSpPr/>
+          <p:nvPr/>
+        </p:nvSpPr>
+        <p:spPr>
+          <a:xfrm>
+            <a:off x="10761785" y="4912833"/>
+            <a:ext cx="604910" cy="500017"/>
+          </a:xfrm>
+          <a:prstGeom prst="ellipse">
+            <a:avLst/>
+          </a:prstGeom>
+          <a:noFill/>
+          <a:ln>
+            <a:solidFill>
+              <a:schemeClr val="tx1"/>
+            </a:solidFill>
+          </a:ln>
+        </p:spPr>
+        <p:style>
+          <a:lnRef idx="2">
+            <a:schemeClr val="accent1">
+              <a:shade val="50000"/>
+            </a:schemeClr>
+          </a:lnRef>
+          <a:fillRef idx="1">
+            <a:schemeClr val="accent1"/>
+          </a:fillRef>
+          <a:effectRef idx="0">
+            <a:schemeClr val="accent1"/>
+          </a:effectRef>
+          <a:fontRef idx="minor">
+            <a:schemeClr val="lt1"/>
+          </a:fontRef>
+        </p:style>
+        <p:txBody>
+          <a:bodyPr rtlCol="0" anchor="ctr"/>
+          <a:lstStyle/>
+          <a:p>
+            <a:pPr algn="ctr"/>
+            <a:endParaRPr lang="ko-KR" altLang="en-US"/>
+          </a:p>
+        </p:txBody>
+      </p:sp>
+      <p:sp>
+        <p:nvSpPr>
+          <p:cNvPr id="38" name="화살표: 위쪽 37">
+            <a:extLst>
+              <a:ext uri="{FF2B5EF4-FFF2-40B4-BE49-F238E27FC236}">
+                <a16:creationId xmlns:a16="http://schemas.microsoft.com/office/drawing/2014/main" id="{305FEA8F-9079-8BB4-CBC9-76AC0E134568}"/>
+              </a:ext>
+            </a:extLst>
+          </p:cNvPr>
+          <p:cNvSpPr/>
+          <p:nvPr/>
+        </p:nvSpPr>
+        <p:spPr>
+          <a:xfrm>
+            <a:off x="10944664" y="5029706"/>
+            <a:ext cx="251308" cy="269944"/>
+          </a:xfrm>
+          <a:prstGeom prst="upArrow">
+            <a:avLst/>
+          </a:prstGeom>
+          <a:noFill/>
+          <a:ln>
+            <a:solidFill>
+              <a:schemeClr val="tx1"/>
+            </a:solidFill>
+          </a:ln>
+        </p:spPr>
+        <p:style>
+          <a:lnRef idx="2">
+            <a:schemeClr val="accent1">
+              <a:shade val="50000"/>
+            </a:schemeClr>
+          </a:lnRef>
+          <a:fillRef idx="1">
+            <a:schemeClr val="accent1"/>
+          </a:fillRef>
+          <a:effectRef idx="0">
+            <a:schemeClr val="accent1"/>
+          </a:effectRef>
+          <a:fontRef idx="minor">
+            <a:schemeClr val="lt1"/>
+          </a:fontRef>
+        </p:style>
+        <p:txBody>
+          <a:bodyPr rtlCol="0" anchor="ctr"/>
+          <a:lstStyle/>
+          <a:p>
+            <a:pPr algn="ctr"/>
+            <a:endParaRPr lang="ko-KR" altLang="en-US"/>
+          </a:p>
+        </p:txBody>
+      </p:sp>
       <p:sp>
         <p:nvSpPr>
           <p:cNvPr id="15" name="직사각형 14">
@@ -10478,7 +12888,7 @@
 </p:sld>
 </file>
 
-<file path=ppt/slides/slide5.xml><?xml version="1.0" encoding="utf-8"?>
+<file path=ppt/slides/slide6.xml><?xml version="1.0" encoding="utf-8"?>
 <p:sld xmlns:a="http://schemas.openxmlformats.org/drawingml/2006/main" xmlns:r="http://schemas.openxmlformats.org/officeDocument/2006/relationships" xmlns:p="http://schemas.openxmlformats.org/presentationml/2006/main">
   <p:cSld>
     <p:spTree>
